--- a/资料/课件/OC/OC语言-3.2-内存管理-浅拷贝&深拷贝.pptx
+++ b/资料/课件/OC/OC语言-3.2-内存管理-浅拷贝&深拷贝.pptx
@@ -5,18 +5,22 @@
     <p:sldMasterId id="2147488748" r:id="rId1"/>
   </p:sldMasterIdLst>
   <p:notesMasterIdLst>
-    <p:notesMasterId r:id="rId3"/>
+    <p:notesMasterId r:id="rId7"/>
   </p:notesMasterIdLst>
   <p:handoutMasterIdLst>
-    <p:handoutMasterId r:id="rId4"/>
+    <p:handoutMasterId r:id="rId8"/>
   </p:handoutMasterIdLst>
   <p:sldIdLst>
     <p:sldId id="1551" r:id="rId2"/>
+    <p:sldId id="1552" r:id="rId3"/>
+    <p:sldId id="1553" r:id="rId4"/>
+    <p:sldId id="1554" r:id="rId5"/>
+    <p:sldId id="1555" r:id="rId6"/>
   </p:sldIdLst>
   <p:sldSz cx="9144000" cy="6858000" type="screen4x3"/>
   <p:notesSz cx="6797675" cy="9874250"/>
   <p:custDataLst>
-    <p:tags r:id="rId6"/>
+    <p:tags r:id="rId10"/>
   </p:custDataLst>
   <p:defaultTextStyle>
     <a:defPPr>
@@ -149,12 +153,16 @@
         <p14:section name="Default Section" id="{5009879F-230C-4AAA-9B60-41FFDFBA99F4}">
           <p14:sldIdLst>
             <p14:sldId id="1551"/>
+            <p14:sldId id="1552"/>
+            <p14:sldId id="1553"/>
+            <p14:sldId id="1554"/>
+            <p14:sldId id="1555"/>
           </p14:sldIdLst>
         </p14:section>
       </p14:sectionLst>
     </p:ext>
     <p:ext uri="{EFAFB233-063F-42B5-8137-9DF3F51BA10A}">
-      <p15:sldGuideLst xmlns:p15="http://schemas.microsoft.com/office/powerpoint/2012/main" xmlns="">
+      <p15:sldGuideLst xmlns="" xmlns:p15="http://schemas.microsoft.com/office/powerpoint/2012/main">
         <p15:guide id="1" orient="horz">
           <p15:clr>
             <a:srgbClr val="A4A3A4"/>
@@ -168,7 +176,7 @@
       </p15:sldGuideLst>
     </p:ext>
     <p:ext uri="{2D200454-40CA-4A62-9FC3-DE9A4176ACB9}">
-      <p15:notesGuideLst xmlns:p15="http://schemas.microsoft.com/office/powerpoint/2012/main" xmlns="">
+      <p15:notesGuideLst xmlns="" xmlns:p15="http://schemas.microsoft.com/office/powerpoint/2012/main">
         <p15:guide id="1" orient="horz" pos="3109">
           <p15:clr>
             <a:srgbClr val="A4A3A4"/>
@@ -272,7 +280,7 @@
                 <a:ea typeface="微软雅黑" pitchFamily="34" charset="-122"/>
               </a:rPr>
               <a:pPr/>
-              <a:t>15/3/16</a:t>
+              <a:t>15/3/23</a:t>
             </a:fld>
             <a:endParaRPr lang="zh-CN" altLang="en-US" dirty="0">
               <a:ea typeface="微软雅黑" pitchFamily="34" charset="-122"/>
@@ -476,7 +484,7 @@
             <a:fld id="{DF9E65B2-A0B4-4242-9432-201E84F17494}" type="datetime1">
               <a:rPr lang="en-US" smtClean="0"/>
               <a:pPr/>
-              <a:t>15/3/16</a:t>
+              <a:t>15/3/23</a:t>
             </a:fld>
             <a:endParaRPr lang="en-US" dirty="0"/>
           </a:p>
@@ -1405,7 +1413,7 @@
             <a:fld id="{055FF6D4-D4D7-426A-98F7-170A3668379E}" type="datetime1">
               <a:rPr lang="en-US" smtClean="0"/>
               <a:pPr/>
-              <a:t>15/3/16</a:t>
+              <a:t>15/3/23</a:t>
             </a:fld>
             <a:endParaRPr lang="en-US" dirty="0"/>
           </a:p>
@@ -2032,7 +2040,7 @@
             <a:fld id="{74CBEAF9-9E58-4CC8-A6FF-6DD8A58DEEA4}" type="datetimeFigureOut">
               <a:rPr lang="en-US" smtClean="0"/>
               <a:pPr eaLnBrk="1" latinLnBrk="0" hangingPunct="1"/>
-              <a:t>15/3/16</a:t>
+              <a:t>15/3/23</a:t>
             </a:fld>
             <a:endParaRPr lang="en-US"/>
           </a:p>
@@ -2550,7 +2558,7 @@
             <a:fld id="{74CBEAF9-9E58-4CC8-A6FF-6DD8A58DEEA4}" type="datetimeFigureOut">
               <a:rPr lang="en-US" smtClean="0"/>
               <a:pPr algn="l" eaLnBrk="1" latinLnBrk="0" hangingPunct="1"/>
-              <a:t>15/3/16</a:t>
+              <a:t>15/3/23</a:t>
             </a:fld>
             <a:endParaRPr lang="en-US" dirty="0">
               <a:solidFill>
@@ -3085,7 +3093,7 @@
             <a:fld id="{74CBEAF9-9E58-4CC8-A6FF-6DD8A58DEEA4}" type="datetimeFigureOut">
               <a:rPr lang="en-US" smtClean="0"/>
               <a:pPr algn="l" eaLnBrk="1" latinLnBrk="0" hangingPunct="1"/>
-              <a:t>15/3/16</a:t>
+              <a:t>15/3/23</a:t>
             </a:fld>
             <a:endParaRPr lang="en-US" dirty="0">
               <a:solidFill>
@@ -3921,7 +3929,7 @@
             <a:fld id="{74CBEAF9-9E58-4CC8-A6FF-6DD8A58DEEA4}" type="datetimeFigureOut">
               <a:rPr lang="en-US" smtClean="0"/>
               <a:pPr eaLnBrk="1" latinLnBrk="0" hangingPunct="1"/>
-              <a:t>15/3/16</a:t>
+              <a:t>15/3/23</a:t>
             </a:fld>
             <a:endParaRPr lang="en-US"/>
           </a:p>
@@ -4503,7 +4511,7 @@
             <a:fld id="{42295D47-465E-4A05-802B-049480555B6D}" type="datetime1">
               <a:rPr lang="en-US" smtClean="0"/>
               <a:pPr/>
-              <a:t>15/3/16</a:t>
+              <a:t>15/3/23</a:t>
             </a:fld>
             <a:endParaRPr lang="en-US"/>
           </a:p>
@@ -5134,7 +5142,7 @@
             <a:fld id="{74CBEAF9-9E58-4CC8-A6FF-6DD8A58DEEA4}" type="datetimeFigureOut">
               <a:rPr lang="en-US" smtClean="0"/>
               <a:pPr algn="l" eaLnBrk="1" latinLnBrk="0" hangingPunct="1"/>
-              <a:t>15/3/16</a:t>
+              <a:t>15/3/23</a:t>
             </a:fld>
             <a:endParaRPr lang="en-US" dirty="0">
               <a:solidFill>
@@ -5916,7 +5924,7 @@
             <a:fld id="{74CBEAF9-9E58-4CC8-A6FF-6DD8A58DEEA4}" type="datetimeFigureOut">
               <a:rPr lang="en-US" smtClean="0"/>
               <a:pPr eaLnBrk="1" latinLnBrk="0" hangingPunct="1"/>
-              <a:t>15/3/16</a:t>
+              <a:t>15/3/23</a:t>
             </a:fld>
             <a:endParaRPr lang="en-US"/>
           </a:p>
@@ -6377,7 +6385,7 @@
             <a:fld id="{74CBEAF9-9E58-4CC8-A6FF-6DD8A58DEEA4}" type="datetimeFigureOut">
               <a:rPr lang="en-US" smtClean="0"/>
               <a:pPr eaLnBrk="1" latinLnBrk="0" hangingPunct="1"/>
-              <a:t>15/3/16</a:t>
+              <a:t>15/3/23</a:t>
             </a:fld>
             <a:endParaRPr lang="en-US"/>
           </a:p>
@@ -6806,7 +6814,7 @@
             <a:fld id="{74CBEAF9-9E58-4CC8-A6FF-6DD8A58DEEA4}" type="datetimeFigureOut">
               <a:rPr lang="en-US" smtClean="0"/>
               <a:pPr eaLnBrk="1" latinLnBrk="0" hangingPunct="1"/>
-              <a:t>15/3/16</a:t>
+              <a:t>15/3/23</a:t>
             </a:fld>
             <a:endParaRPr lang="en-US"/>
           </a:p>
@@ -7427,7 +7435,7 @@
             <a:fld id="{74CBEAF9-9E58-4CC8-A6FF-6DD8A58DEEA4}" type="datetimeFigureOut">
               <a:rPr lang="en-US" smtClean="0"/>
               <a:pPr eaLnBrk="1" latinLnBrk="0" hangingPunct="1"/>
-              <a:t>15/3/16</a:t>
+              <a:t>15/3/23</a:t>
             </a:fld>
             <a:endParaRPr lang="en-US"/>
           </a:p>
@@ -7692,7 +7700,7 @@
             <a:fld id="{74CBEAF9-9E58-4CC8-A6FF-6DD8A58DEEA4}" type="datetimeFigureOut">
               <a:rPr lang="en-US" smtClean="0"/>
               <a:pPr algn="l" eaLnBrk="1" latinLnBrk="0" hangingPunct="1"/>
-              <a:t>15/3/16</a:t>
+              <a:t>15/3/23</a:t>
             </a:fld>
             <a:endParaRPr lang="en-US" dirty="0">
               <a:solidFill>
@@ -8456,7 +8464,6 @@
               <a:rPr kumimoji="1" lang="zh-CN" altLang="en-US" sz="3600" dirty="0"/>
               <a:t>深拷贝</a:t>
             </a:r>
-            <a:endParaRPr kumimoji="1" lang="zh-CN" altLang="en-US" sz="3600" dirty="0"/>
           </a:p>
         </p:txBody>
       </p:sp>
@@ -8464,6 +8471,2419 @@
     <p:extLst>
       <p:ext uri="{BB962C8B-B14F-4D97-AF65-F5344CB8AC3E}">
         <p14:creationId xmlns:p14="http://schemas.microsoft.com/office/powerpoint/2010/main" val="2973930980"/>
+      </p:ext>
+    </p:extLst>
+  </p:cSld>
+  <p:clrMapOvr>
+    <a:masterClrMapping/>
+  </p:clrMapOvr>
+  <p:timing>
+    <p:tnLst>
+      <p:par>
+        <p:cTn xmlns:p14="http://schemas.microsoft.com/office/powerpoint/2010/main" id="1" dur="indefinite" restart="never" nodeType="tmRoot"/>
+      </p:par>
+    </p:tnLst>
+  </p:timing>
+</p:sld>
+</file>
+
+<file path=ppt/slides/slide2.xml><?xml version="1.0" encoding="utf-8"?>
+<p:sld xmlns:a="http://schemas.openxmlformats.org/drawingml/2006/main" xmlns:r="http://schemas.openxmlformats.org/officeDocument/2006/relationships" xmlns:p="http://schemas.openxmlformats.org/presentationml/2006/main">
+  <p:cSld>
+    <p:spTree>
+      <p:nvGrpSpPr>
+        <p:cNvPr id="1" name=""/>
+        <p:cNvGrpSpPr/>
+        <p:nvPr/>
+      </p:nvGrpSpPr>
+      <p:grpSpPr>
+        <a:xfrm>
+          <a:off x="0" y="0"/>
+          <a:ext cx="0" cy="0"/>
+          <a:chOff x="0" y="0"/>
+          <a:chExt cx="0" cy="0"/>
+        </a:xfrm>
+      </p:grpSpPr>
+      <p:sp>
+        <p:nvSpPr>
+          <p:cNvPr id="2" name="标题 1"/>
+          <p:cNvSpPr>
+            <a:spLocks noGrp="1"/>
+          </p:cNvSpPr>
+          <p:nvPr>
+            <p:ph type="title"/>
+          </p:nvPr>
+        </p:nvSpPr>
+        <p:spPr/>
+        <p:txBody>
+          <a:bodyPr/>
+          <a:lstStyle/>
+          <a:p>
+            <a:r>
+              <a:rPr kumimoji="1" lang="en-US" altLang="en-US" dirty="0"/>
+              <a:t>Copy</a:t>
+            </a:r>
+            <a:endParaRPr kumimoji="1" lang="zh-CN" altLang="en-US" dirty="0"/>
+          </a:p>
+        </p:txBody>
+      </p:sp>
+      <p:sp>
+        <p:nvSpPr>
+          <p:cNvPr id="3" name="幻灯片编号占位符 2"/>
+          <p:cNvSpPr>
+            <a:spLocks noGrp="1"/>
+          </p:cNvSpPr>
+          <p:nvPr>
+            <p:ph type="sldNum" sz="quarter" idx="4"/>
+          </p:nvPr>
+        </p:nvSpPr>
+        <p:spPr/>
+        <p:txBody>
+          <a:bodyPr/>
+          <a:lstStyle/>
+          <a:p>
+            <a:fld id="{BF10DB53-D7D3-4DB6-A29F-40217B92EC88}" type="slidenum">
+              <a:rPr lang="en-US" smtClean="0"/>
+              <a:pPr/>
+              <a:t>1</a:t>
+            </a:fld>
+            <a:endParaRPr lang="en-US" dirty="0"/>
+          </a:p>
+        </p:txBody>
+      </p:sp>
+      <p:sp>
+        <p:nvSpPr>
+          <p:cNvPr id="5" name="文本框 4"/>
+          <p:cNvSpPr txBox="1"/>
+          <p:nvPr/>
+        </p:nvSpPr>
+        <p:spPr>
+          <a:xfrm>
+            <a:off x="251520" y="1225690"/>
+            <a:ext cx="8568952" cy="4401205"/>
+          </a:xfrm>
+          <a:prstGeom prst="rect">
+            <a:avLst/>
+          </a:prstGeom>
+          <a:noFill/>
+        </p:spPr>
+        <p:txBody>
+          <a:bodyPr wrap="square" rtlCol="0">
+            <a:spAutoFit/>
+          </a:bodyPr>
+          <a:lstStyle/>
+          <a:p>
+            <a:r>
+              <a:rPr kumimoji="1" lang="zh-CN" altLang="en-US" sz="2000" dirty="0"/>
+              <a:t>什么是</a:t>
+            </a:r>
+            <a:r>
+              <a:rPr kumimoji="1" lang="en-US" altLang="zh-CN" sz="2000" dirty="0"/>
+              <a:t>copy</a:t>
+            </a:r>
+          </a:p>
+          <a:p>
+            <a:pPr>
+              <a:buFont typeface="Wingdings" charset="2"/>
+              <a:buChar char="Ø"/>
+            </a:pPr>
+            <a:r>
+              <a:rPr kumimoji="1" lang="en-US" altLang="zh-CN" sz="2000" dirty="0"/>
+              <a:t>Copy</a:t>
+            </a:r>
+            <a:r>
+              <a:rPr kumimoji="1" lang="zh-CN" altLang="en-US" sz="2000" dirty="0"/>
+              <a:t>的字面意思是“复制”、“拷贝”，是一个产生副本的过程</a:t>
+            </a:r>
+            <a:endParaRPr kumimoji="1" lang="en-US" altLang="zh-CN" sz="2000" dirty="0"/>
+          </a:p>
+          <a:p>
+            <a:pPr>
+              <a:buFont typeface="Wingdings" charset="2"/>
+              <a:buChar char="Ø"/>
+            </a:pPr>
+            <a:endParaRPr kumimoji="1" lang="en-US" altLang="zh-CN" sz="2000" dirty="0"/>
+          </a:p>
+          <a:p>
+            <a:r>
+              <a:rPr kumimoji="1" lang="zh-CN" altLang="en-US" sz="2000" dirty="0"/>
+              <a:t>常见的复制有：文件复制</a:t>
+            </a:r>
+            <a:endParaRPr kumimoji="1" lang="en-US" altLang="zh-CN" sz="2000" dirty="0"/>
+          </a:p>
+          <a:p>
+            <a:pPr>
+              <a:buFont typeface="Wingdings" charset="2"/>
+              <a:buChar char="Ø"/>
+            </a:pPr>
+            <a:r>
+              <a:rPr kumimoji="1" lang="zh-CN" altLang="en-US" sz="2000" dirty="0"/>
+              <a:t>作用：利用一个源文件产生一个副本文件</a:t>
+            </a:r>
+            <a:endParaRPr kumimoji="1" lang="en-US" altLang="zh-CN" sz="2000" dirty="0"/>
+          </a:p>
+          <a:p>
+            <a:pPr>
+              <a:buFont typeface="Wingdings" charset="2"/>
+              <a:buChar char="Ø"/>
+            </a:pPr>
+            <a:r>
+              <a:rPr kumimoji="1" lang="zh-CN" altLang="en-US" sz="2000" dirty="0"/>
+              <a:t>特点：</a:t>
+            </a:r>
+            <a:endParaRPr kumimoji="1" lang="en-US" altLang="zh-CN" sz="2000" dirty="0"/>
+          </a:p>
+          <a:p>
+            <a:pPr>
+              <a:buFont typeface="Wingdings" charset="2"/>
+              <a:buChar char="u"/>
+            </a:pPr>
+            <a:r>
+              <a:rPr kumimoji="1" lang="zh-CN" altLang="en-US" sz="2000" dirty="0"/>
+              <a:t>修改源文件的内容，不会影响副本文件</a:t>
+            </a:r>
+            <a:endParaRPr kumimoji="1" lang="en-US" altLang="zh-CN" sz="2000" dirty="0"/>
+          </a:p>
+          <a:p>
+            <a:pPr>
+              <a:buFont typeface="Wingdings" charset="2"/>
+              <a:buChar char="u"/>
+            </a:pPr>
+            <a:r>
+              <a:rPr kumimoji="1" lang="zh-CN" altLang="en-US" sz="2000" dirty="0"/>
+              <a:t>修改副本文件的内容，不会影响源文件</a:t>
+            </a:r>
+            <a:endParaRPr kumimoji="1" lang="en-US" altLang="zh-CN" sz="2000" dirty="0"/>
+          </a:p>
+          <a:p>
+            <a:pPr>
+              <a:buFont typeface="Wingdings" charset="2"/>
+              <a:buChar char="Ø"/>
+            </a:pPr>
+            <a:endParaRPr kumimoji="1" lang="en-US" altLang="zh-CN" sz="2000" dirty="0"/>
+          </a:p>
+          <a:p>
+            <a:r>
+              <a:rPr kumimoji="1" lang="en-US" altLang="zh-CN" sz="2000" dirty="0"/>
+              <a:t>OC</a:t>
+            </a:r>
+            <a:r>
+              <a:rPr kumimoji="1" lang="zh-CN" altLang="en-US" sz="2000" dirty="0"/>
+              <a:t>中的</a:t>
+            </a:r>
+            <a:r>
+              <a:rPr kumimoji="1" lang="en-US" altLang="zh-CN" sz="2000" dirty="0"/>
+              <a:t>copy</a:t>
+            </a:r>
+          </a:p>
+          <a:p>
+            <a:pPr>
+              <a:buFont typeface="Wingdings" charset="2"/>
+              <a:buChar char="Ø"/>
+            </a:pPr>
+            <a:r>
+              <a:rPr kumimoji="1" lang="zh-CN" altLang="en-US" sz="2000" dirty="0"/>
+              <a:t>作用：利用一个源对象产生一个副本对象</a:t>
+            </a:r>
+            <a:endParaRPr kumimoji="1" lang="en-US" altLang="zh-CN" sz="2000" dirty="0"/>
+          </a:p>
+          <a:p>
+            <a:pPr>
+              <a:buFont typeface="Wingdings" charset="2"/>
+              <a:buChar char="Ø"/>
+            </a:pPr>
+            <a:r>
+              <a:rPr kumimoji="1" lang="zh-CN" altLang="en-US" sz="2000" dirty="0"/>
+              <a:t>特点：</a:t>
+            </a:r>
+            <a:endParaRPr kumimoji="1" lang="en-US" altLang="zh-CN" sz="2000" dirty="0"/>
+          </a:p>
+          <a:p>
+            <a:pPr>
+              <a:buFont typeface="Wingdings" charset="2"/>
+              <a:buChar char="u"/>
+            </a:pPr>
+            <a:r>
+              <a:rPr kumimoji="1" lang="zh-CN" altLang="en-US" sz="2000" dirty="0"/>
+              <a:t>修改源对象的属性和行为，不会影响副本对象</a:t>
+            </a:r>
+            <a:endParaRPr kumimoji="1" lang="en-US" altLang="zh-CN" sz="2000" dirty="0"/>
+          </a:p>
+          <a:p>
+            <a:pPr>
+              <a:buFont typeface="Wingdings" charset="2"/>
+              <a:buChar char="u"/>
+            </a:pPr>
+            <a:r>
+              <a:rPr kumimoji="1" lang="zh-CN" altLang="en-US" sz="2000" dirty="0"/>
+              <a:t>修改副本对象的属性和行为，不会影响源对象</a:t>
+            </a:r>
+            <a:endParaRPr kumimoji="1" lang="en-US" altLang="zh-CN" sz="2000" dirty="0"/>
+          </a:p>
+        </p:txBody>
+      </p:sp>
+    </p:spTree>
+    <p:extLst>
+      <p:ext uri="{BB962C8B-B14F-4D97-AF65-F5344CB8AC3E}">
+        <p14:creationId xmlns:p14="http://schemas.microsoft.com/office/powerpoint/2010/main" val="861661799"/>
+      </p:ext>
+    </p:extLst>
+  </p:cSld>
+  <p:clrMapOvr>
+    <a:masterClrMapping/>
+  </p:clrMapOvr>
+  <p:timing>
+    <p:tnLst>
+      <p:par>
+        <p:cTn xmlns:p14="http://schemas.microsoft.com/office/powerpoint/2010/main" id="1" dur="indefinite" restart="never" nodeType="tmRoot"/>
+      </p:par>
+    </p:tnLst>
+  </p:timing>
+</p:sld>
+</file>
+
+<file path=ppt/slides/slide3.xml><?xml version="1.0" encoding="utf-8"?>
+<p:sld xmlns:a="http://schemas.openxmlformats.org/drawingml/2006/main" xmlns:r="http://schemas.openxmlformats.org/officeDocument/2006/relationships" xmlns:p="http://schemas.openxmlformats.org/presentationml/2006/main">
+  <p:cSld>
+    <p:spTree>
+      <p:nvGrpSpPr>
+        <p:cNvPr id="1" name=""/>
+        <p:cNvGrpSpPr/>
+        <p:nvPr/>
+      </p:nvGrpSpPr>
+      <p:grpSpPr>
+        <a:xfrm>
+          <a:off x="0" y="0"/>
+          <a:ext cx="0" cy="0"/>
+          <a:chOff x="0" y="0"/>
+          <a:chExt cx="0" cy="0"/>
+        </a:xfrm>
+      </p:grpSpPr>
+      <p:sp>
+        <p:nvSpPr>
+          <p:cNvPr id="2" name="标题 1"/>
+          <p:cNvSpPr>
+            <a:spLocks noGrp="1"/>
+          </p:cNvSpPr>
+          <p:nvPr>
+            <p:ph type="title"/>
+          </p:nvPr>
+        </p:nvSpPr>
+        <p:spPr/>
+        <p:txBody>
+          <a:bodyPr/>
+          <a:lstStyle/>
+          <a:p>
+            <a:r>
+              <a:rPr kumimoji="1" lang="en-US" altLang="en-US" dirty="0" err="1"/>
+              <a:t>Copy的使用</a:t>
+            </a:r>
+            <a:endParaRPr kumimoji="1" lang="zh-CN" altLang="en-US" dirty="0"/>
+          </a:p>
+        </p:txBody>
+      </p:sp>
+      <p:sp>
+        <p:nvSpPr>
+          <p:cNvPr id="3" name="幻灯片编号占位符 2"/>
+          <p:cNvSpPr>
+            <a:spLocks noGrp="1"/>
+          </p:cNvSpPr>
+          <p:nvPr>
+            <p:ph type="sldNum" sz="quarter" idx="4"/>
+          </p:nvPr>
+        </p:nvSpPr>
+        <p:spPr/>
+        <p:txBody>
+          <a:bodyPr/>
+          <a:lstStyle/>
+          <a:p>
+            <a:fld id="{BF10DB53-D7D3-4DB6-A29F-40217B92EC88}" type="slidenum">
+              <a:rPr lang="en-US" smtClean="0"/>
+              <a:pPr/>
+              <a:t>2</a:t>
+            </a:fld>
+            <a:endParaRPr lang="en-US" dirty="0"/>
+          </a:p>
+        </p:txBody>
+      </p:sp>
+      <p:sp>
+        <p:nvSpPr>
+          <p:cNvPr id="5" name="文本框 4"/>
+          <p:cNvSpPr txBox="1"/>
+          <p:nvPr/>
+        </p:nvSpPr>
+        <p:spPr>
+          <a:xfrm>
+            <a:off x="251520" y="1225690"/>
+            <a:ext cx="8568952" cy="5632311"/>
+          </a:xfrm>
+          <a:prstGeom prst="rect">
+            <a:avLst/>
+          </a:prstGeom>
+          <a:noFill/>
+        </p:spPr>
+        <p:txBody>
+          <a:bodyPr wrap="square" rtlCol="0">
+            <a:spAutoFit/>
+          </a:bodyPr>
+          <a:lstStyle/>
+          <a:p>
+            <a:r>
+              <a:rPr kumimoji="1" lang="en-US" altLang="en-US" sz="2000" dirty="0" err="1"/>
+              <a:t>如何使用copy功能</a:t>
+            </a:r>
+            <a:endParaRPr kumimoji="1" lang="en-US" altLang="zh-CN" sz="2000" dirty="0"/>
+          </a:p>
+          <a:p>
+            <a:pPr>
+              <a:buFont typeface="Wingdings" charset="2"/>
+              <a:buChar char="Ø"/>
+            </a:pPr>
+            <a:r>
+              <a:rPr kumimoji="1" lang="zh-CN" altLang="en-US" sz="2000" dirty="0"/>
+              <a:t>一个对象可以调用</a:t>
+            </a:r>
+            <a:r>
+              <a:rPr kumimoji="1" lang="en-US" altLang="zh-CN" sz="2000" dirty="0"/>
+              <a:t>copy</a:t>
+            </a:r>
+            <a:r>
+              <a:rPr kumimoji="1" lang="zh-CN" altLang="en-US" sz="2000" dirty="0"/>
+              <a:t>或</a:t>
+            </a:r>
+            <a:r>
+              <a:rPr kumimoji="1" lang="en-US" altLang="zh-CN" sz="2000" dirty="0" err="1"/>
+              <a:t>mutableCopy</a:t>
+            </a:r>
+            <a:r>
+              <a:rPr kumimoji="1" lang="zh-CN" altLang="en-US" sz="2000" dirty="0"/>
+              <a:t>方法来创建一个副本对象</a:t>
+            </a:r>
+            <a:endParaRPr kumimoji="1" lang="en-US" altLang="zh-CN" sz="2000" dirty="0"/>
+          </a:p>
+          <a:p>
+            <a:pPr>
+              <a:buFont typeface="Wingdings" charset="2"/>
+              <a:buChar char="u"/>
+            </a:pPr>
+            <a:r>
+              <a:rPr kumimoji="1" lang="en-US" altLang="zh-CN" sz="2000" dirty="0"/>
+              <a:t>copy</a:t>
+            </a:r>
+            <a:r>
+              <a:rPr kumimoji="1" lang="zh-CN" altLang="en-US" sz="2000" dirty="0"/>
+              <a:t> </a:t>
+            </a:r>
+            <a:r>
+              <a:rPr kumimoji="1" lang="en-US" altLang="zh-CN" sz="2000" dirty="0"/>
+              <a:t>:</a:t>
+            </a:r>
+            <a:r>
+              <a:rPr kumimoji="1" lang="zh-CN" altLang="en-US" sz="2000" dirty="0"/>
+              <a:t> 创建的是</a:t>
+            </a:r>
+            <a:r>
+              <a:rPr kumimoji="1" lang="zh-CN" altLang="en-US" sz="2000" dirty="0">
+                <a:solidFill>
+                  <a:srgbClr val="FF0000"/>
+                </a:solidFill>
+              </a:rPr>
+              <a:t>不可变</a:t>
+            </a:r>
+            <a:r>
+              <a:rPr kumimoji="1" lang="zh-CN" altLang="en-US" sz="2000" dirty="0"/>
+              <a:t>副本</a:t>
+            </a:r>
+            <a:r>
+              <a:rPr kumimoji="1" lang="en-US" altLang="zh-CN" sz="2000" dirty="0"/>
+              <a:t>(</a:t>
+            </a:r>
+            <a:r>
+              <a:rPr kumimoji="1" lang="zh-CN" altLang="en-US" sz="2000" dirty="0"/>
+              <a:t>如</a:t>
+            </a:r>
+            <a:r>
+              <a:rPr lang="en-US" altLang="zh-CN" sz="2000" dirty="0" err="1">
+                <a:solidFill>
+                  <a:srgbClr val="4D009E"/>
+                </a:solidFill>
+                <a:latin typeface="Menlo-Regular"/>
+              </a:rPr>
+              <a:t>NSString</a:t>
+            </a:r>
+            <a:r>
+              <a:rPr kumimoji="1" lang="zh-CN" altLang="en-US" sz="2000" dirty="0"/>
+              <a:t>、</a:t>
+            </a:r>
+            <a:r>
+              <a:rPr lang="en-US" altLang="zh-CN" sz="2000" dirty="0" err="1">
+                <a:solidFill>
+                  <a:srgbClr val="4D009E"/>
+                </a:solidFill>
+                <a:latin typeface="Menlo-Regular"/>
+              </a:rPr>
+              <a:t>NSArray</a:t>
+            </a:r>
+            <a:r>
+              <a:rPr kumimoji="1" lang="zh-CN" altLang="en-US" sz="2000" dirty="0"/>
+              <a:t>、</a:t>
+            </a:r>
+            <a:r>
+              <a:rPr lang="en-US" altLang="zh-CN" sz="2000" dirty="0" err="1">
+                <a:solidFill>
+                  <a:srgbClr val="4D009E"/>
+                </a:solidFill>
+                <a:latin typeface="Menlo-Regular"/>
+              </a:rPr>
+              <a:t>NSDictionary</a:t>
+            </a:r>
+            <a:r>
+              <a:rPr kumimoji="1" lang="en-US" altLang="zh-CN" sz="2000" dirty="0"/>
+              <a:t>)</a:t>
+            </a:r>
+          </a:p>
+          <a:p>
+            <a:pPr>
+              <a:buFont typeface="Wingdings" charset="2"/>
+              <a:buChar char="u"/>
+            </a:pPr>
+            <a:r>
+              <a:rPr kumimoji="1" lang="en-US" altLang="zh-CN" sz="2000" dirty="0" err="1"/>
+              <a:t>mutableCopy</a:t>
+            </a:r>
+            <a:r>
+              <a:rPr kumimoji="1" lang="en-US" altLang="zh-CN" sz="2000" dirty="0"/>
+              <a:t> :</a:t>
+            </a:r>
+            <a:r>
+              <a:rPr kumimoji="1" lang="zh-CN" altLang="en-US" sz="2000" dirty="0"/>
+              <a:t>创建的是</a:t>
+            </a:r>
+            <a:r>
+              <a:rPr kumimoji="1" lang="zh-CN" altLang="en-US" sz="2000" dirty="0">
+                <a:solidFill>
+                  <a:srgbClr val="FF0000"/>
+                </a:solidFill>
+              </a:rPr>
+              <a:t>可变</a:t>
+            </a:r>
+            <a:r>
+              <a:rPr kumimoji="1" lang="zh-CN" altLang="en-US" sz="2000" dirty="0"/>
+              <a:t>副本</a:t>
+            </a:r>
+            <a:r>
+              <a:rPr kumimoji="1" lang="en-US" altLang="zh-CN" sz="2000" dirty="0"/>
+              <a:t>(</a:t>
+            </a:r>
+            <a:r>
+              <a:rPr kumimoji="1" lang="zh-CN" altLang="en-US" sz="2000" dirty="0"/>
+              <a:t>如</a:t>
+            </a:r>
+            <a:r>
+              <a:rPr lang="en-US" altLang="zh-CN" sz="2000" dirty="0" err="1">
+                <a:solidFill>
+                  <a:srgbClr val="4D009E"/>
+                </a:solidFill>
+                <a:latin typeface="Menlo-Regular"/>
+              </a:rPr>
+              <a:t>NSMutableString</a:t>
+            </a:r>
+            <a:r>
+              <a:rPr kumimoji="1" lang="zh-CN" altLang="en-US" sz="2000" dirty="0"/>
+              <a:t>、</a:t>
+            </a:r>
+            <a:r>
+              <a:rPr lang="en-US" altLang="zh-CN" sz="2000" dirty="0" err="1">
+                <a:solidFill>
+                  <a:srgbClr val="4D009E"/>
+                </a:solidFill>
+                <a:latin typeface="Menlo-Regular"/>
+              </a:rPr>
+              <a:t>NSMutableArray</a:t>
+            </a:r>
+            <a:r>
+              <a:rPr kumimoji="1" lang="zh-CN" altLang="en-US" sz="2000" dirty="0"/>
+              <a:t>、</a:t>
+            </a:r>
+            <a:r>
+              <a:rPr lang="en-US" altLang="zh-CN" sz="2000" dirty="0" err="1">
+                <a:solidFill>
+                  <a:srgbClr val="4D009E"/>
+                </a:solidFill>
+                <a:latin typeface="Menlo-Regular"/>
+              </a:rPr>
+              <a:t>NSMutableDictionary</a:t>
+            </a:r>
+            <a:r>
+              <a:rPr kumimoji="1" lang="en-US" altLang="zh-CN" sz="2000" dirty="0"/>
+              <a:t>)</a:t>
+            </a:r>
+          </a:p>
+          <a:p>
+            <a:pPr marL="0" indent="0">
+              <a:buNone/>
+            </a:pPr>
+            <a:endParaRPr kumimoji="1" lang="en-US" altLang="zh-CN" sz="2000" dirty="0"/>
+          </a:p>
+          <a:p>
+            <a:r>
+              <a:rPr kumimoji="1" lang="zh-CN" altLang="en-US" sz="2000" dirty="0"/>
+              <a:t>使用</a:t>
+            </a:r>
+            <a:r>
+              <a:rPr kumimoji="1" lang="en-US" altLang="zh-CN" sz="2000" dirty="0"/>
+              <a:t>copy</a:t>
+            </a:r>
+            <a:r>
+              <a:rPr kumimoji="1" lang="zh-CN" altLang="en-US" sz="2000" dirty="0"/>
+              <a:t>功能的前提</a:t>
+            </a:r>
+            <a:endParaRPr kumimoji="1" lang="en-US" altLang="zh-CN" sz="2000" dirty="0"/>
+          </a:p>
+          <a:p>
+            <a:pPr>
+              <a:buFont typeface="Wingdings" charset="2"/>
+              <a:buChar char="Ø"/>
+            </a:pPr>
+            <a:r>
+              <a:rPr kumimoji="1" lang="en-US" altLang="zh-CN" sz="2000" dirty="0"/>
+              <a:t>copy : </a:t>
+            </a:r>
+            <a:r>
+              <a:rPr kumimoji="1" lang="zh-CN" altLang="en-US" sz="2000" dirty="0"/>
+              <a:t>需要遵守</a:t>
+            </a:r>
+            <a:r>
+              <a:rPr lang="en-US" altLang="zh-CN" sz="2000" dirty="0" err="1">
+                <a:solidFill>
+                  <a:srgbClr val="4D009E"/>
+                </a:solidFill>
+                <a:latin typeface="Menlo-Regular"/>
+              </a:rPr>
+              <a:t>NSCopying</a:t>
+            </a:r>
+            <a:r>
+              <a:rPr kumimoji="1" lang="zh-CN" altLang="en-US" sz="2000" dirty="0"/>
+              <a:t>协议，实现</a:t>
+            </a:r>
+            <a:r>
+              <a:rPr kumimoji="1" lang="en-US" altLang="zh-CN" sz="2000" dirty="0" err="1"/>
+              <a:t>copyWithZone</a:t>
+            </a:r>
+            <a:r>
+              <a:rPr kumimoji="1" lang="en-US" altLang="zh-CN" sz="2000" dirty="0"/>
+              <a:t>:</a:t>
+            </a:r>
+            <a:r>
+              <a:rPr kumimoji="1" lang="zh-CN" altLang="en-US" sz="2000" dirty="0"/>
+              <a:t>方法</a:t>
+            </a:r>
+            <a:endParaRPr kumimoji="1" lang="en-US" altLang="zh-CN" sz="2000" dirty="0"/>
+          </a:p>
+          <a:p>
+            <a:pPr marL="0" indent="0">
+              <a:buNone/>
+            </a:pPr>
+            <a:r>
+              <a:rPr lang="en-US" altLang="zh-CN" sz="2000" dirty="0">
+                <a:solidFill>
+                  <a:srgbClr val="B40062"/>
+                </a:solidFill>
+                <a:latin typeface="Menlo-Regular"/>
+              </a:rPr>
+              <a:t>@protocol</a:t>
+            </a:r>
+            <a:r>
+              <a:rPr lang="en-US" altLang="zh-CN" sz="2000" dirty="0">
+                <a:solidFill>
+                  <a:srgbClr val="000000"/>
+                </a:solidFill>
+                <a:latin typeface="Menlo-Regular"/>
+              </a:rPr>
+              <a:t> </a:t>
+            </a:r>
+            <a:r>
+              <a:rPr lang="en-US" altLang="zh-CN" sz="2000" dirty="0" err="1">
+                <a:solidFill>
+                  <a:srgbClr val="4D009E"/>
+                </a:solidFill>
+                <a:latin typeface="Menlo-Regular"/>
+              </a:rPr>
+              <a:t>NSCopying</a:t>
+            </a:r>
+            <a:endParaRPr lang="en-US" altLang="zh-CN" sz="2000" dirty="0">
+              <a:solidFill>
+                <a:srgbClr val="4D009E"/>
+              </a:solidFill>
+              <a:latin typeface="Menlo-Regular"/>
+            </a:endParaRPr>
+          </a:p>
+          <a:p>
+            <a:pPr marL="0" indent="0">
+              <a:buNone/>
+            </a:pPr>
+            <a:r>
+              <a:rPr lang="en-US" altLang="zh-CN" sz="2000" dirty="0">
+                <a:solidFill>
+                  <a:srgbClr val="000000"/>
+                </a:solidFill>
+                <a:latin typeface="Menlo-Regular"/>
+              </a:rPr>
+              <a:t>- (</a:t>
+            </a:r>
+            <a:r>
+              <a:rPr lang="en-US" altLang="zh-CN" sz="2000" dirty="0">
+                <a:solidFill>
+                  <a:srgbClr val="B40062"/>
+                </a:solidFill>
+                <a:latin typeface="Menlo-Regular"/>
+              </a:rPr>
+              <a:t>id</a:t>
+            </a:r>
+            <a:r>
+              <a:rPr lang="en-US" altLang="zh-CN" sz="2000" dirty="0">
+                <a:solidFill>
+                  <a:srgbClr val="000000"/>
+                </a:solidFill>
+                <a:latin typeface="Menlo-Regular"/>
+              </a:rPr>
+              <a:t>)</a:t>
+            </a:r>
+            <a:r>
+              <a:rPr lang="en-US" altLang="zh-CN" sz="2000" dirty="0" err="1">
+                <a:solidFill>
+                  <a:srgbClr val="000000"/>
+                </a:solidFill>
+                <a:latin typeface="Menlo-Regular"/>
+              </a:rPr>
+              <a:t>copyWithZone</a:t>
+            </a:r>
+            <a:r>
+              <a:rPr lang="en-US" altLang="zh-CN" sz="2000" dirty="0">
+                <a:solidFill>
+                  <a:srgbClr val="000000"/>
+                </a:solidFill>
+                <a:latin typeface="Menlo-Regular"/>
+              </a:rPr>
+              <a:t>:(</a:t>
+            </a:r>
+            <a:r>
+              <a:rPr lang="en-US" altLang="zh-CN" sz="2000" dirty="0" err="1">
+                <a:solidFill>
+                  <a:srgbClr val="5C2699"/>
+                </a:solidFill>
+                <a:latin typeface="Menlo-Regular"/>
+              </a:rPr>
+              <a:t>NSZone</a:t>
+            </a:r>
+            <a:r>
+              <a:rPr lang="en-US" altLang="zh-CN" sz="2000" dirty="0">
+                <a:solidFill>
+                  <a:srgbClr val="000000"/>
+                </a:solidFill>
+                <a:latin typeface="Menlo-Regular"/>
+              </a:rPr>
+              <a:t> *)zone;</a:t>
+            </a:r>
+          </a:p>
+          <a:p>
+            <a:pPr marL="0" indent="0">
+              <a:buNone/>
+            </a:pPr>
+            <a:r>
+              <a:rPr lang="en-US" altLang="zh-CN" sz="2000" dirty="0">
+                <a:solidFill>
+                  <a:srgbClr val="B40062"/>
+                </a:solidFill>
+                <a:latin typeface="Menlo-Regular"/>
+              </a:rPr>
+              <a:t>@end</a:t>
+            </a:r>
+          </a:p>
+          <a:p>
+            <a:pPr marL="0" indent="0">
+              <a:buNone/>
+            </a:pPr>
+            <a:endParaRPr kumimoji="1" lang="en-US" altLang="zh-CN" sz="2000" dirty="0"/>
+          </a:p>
+          <a:p>
+            <a:pPr>
+              <a:buFont typeface="Wingdings" charset="2"/>
+              <a:buChar char="Ø"/>
+            </a:pPr>
+            <a:r>
+              <a:rPr kumimoji="1" lang="en-US" altLang="zh-CN" sz="2000" dirty="0" err="1"/>
+              <a:t>mutableCopy</a:t>
+            </a:r>
+            <a:r>
+              <a:rPr kumimoji="1" lang="en-US" altLang="zh-CN" sz="2000" dirty="0"/>
+              <a:t> : </a:t>
+            </a:r>
+            <a:r>
+              <a:rPr kumimoji="1" lang="zh-CN" altLang="en-US" sz="2000" dirty="0"/>
+              <a:t>需要遵守</a:t>
+            </a:r>
+            <a:r>
+              <a:rPr lang="en-US" altLang="zh-CN" sz="2000" dirty="0" err="1">
+                <a:solidFill>
+                  <a:srgbClr val="4D009E"/>
+                </a:solidFill>
+                <a:latin typeface="Menlo-Regular"/>
+              </a:rPr>
+              <a:t>NSMutableCopying</a:t>
+            </a:r>
+            <a:r>
+              <a:rPr kumimoji="1" lang="zh-CN" altLang="en-US" sz="2000" dirty="0"/>
+              <a:t>协议，实现</a:t>
+            </a:r>
+            <a:r>
+              <a:rPr lang="en-US" altLang="zh-CN" sz="2000" dirty="0" err="1"/>
+              <a:t>mutableCopyWithZone</a:t>
+            </a:r>
+            <a:r>
+              <a:rPr lang="en-US" altLang="zh-CN" sz="2000" dirty="0"/>
+              <a:t>:</a:t>
+            </a:r>
+            <a:r>
+              <a:rPr lang="zh-CN" altLang="en-US" sz="2000" dirty="0"/>
+              <a:t>方法</a:t>
+            </a:r>
+            <a:endParaRPr kumimoji="1" lang="en-US" altLang="zh-CN" sz="2000" dirty="0"/>
+          </a:p>
+          <a:p>
+            <a:pPr marL="0" indent="0">
+              <a:buNone/>
+            </a:pPr>
+            <a:r>
+              <a:rPr lang="en-US" altLang="zh-CN" sz="2000" dirty="0">
+                <a:solidFill>
+                  <a:srgbClr val="B40062"/>
+                </a:solidFill>
+                <a:latin typeface="Menlo-Regular"/>
+              </a:rPr>
+              <a:t>@protocol </a:t>
+            </a:r>
+            <a:r>
+              <a:rPr lang="en-US" altLang="zh-CN" sz="2000" dirty="0" err="1">
+                <a:solidFill>
+                  <a:srgbClr val="4D009E"/>
+                </a:solidFill>
+                <a:latin typeface="Menlo-Regular"/>
+              </a:rPr>
+              <a:t>NSMutableCopying</a:t>
+            </a:r>
+            <a:endParaRPr lang="en-US" altLang="zh-CN" sz="2000" dirty="0">
+              <a:solidFill>
+                <a:srgbClr val="4D009E"/>
+              </a:solidFill>
+              <a:latin typeface="Menlo-Regular"/>
+            </a:endParaRPr>
+          </a:p>
+          <a:p>
+            <a:pPr marL="0" indent="0">
+              <a:buNone/>
+            </a:pPr>
+            <a:r>
+              <a:rPr lang="en-US" altLang="zh-CN" sz="2000" dirty="0"/>
+              <a:t>- (</a:t>
+            </a:r>
+            <a:r>
+              <a:rPr lang="en-US" altLang="zh-CN" sz="2000" dirty="0">
+                <a:solidFill>
+                  <a:srgbClr val="B40062"/>
+                </a:solidFill>
+                <a:latin typeface="Menlo-Regular"/>
+              </a:rPr>
+              <a:t>id</a:t>
+            </a:r>
+            <a:r>
+              <a:rPr lang="en-US" altLang="zh-CN" sz="2000" dirty="0"/>
+              <a:t>)</a:t>
+            </a:r>
+            <a:r>
+              <a:rPr lang="en-US" altLang="zh-CN" sz="2000" dirty="0" err="1"/>
+              <a:t>mutableCopyWithZone</a:t>
+            </a:r>
+            <a:r>
+              <a:rPr lang="en-US" altLang="zh-CN" sz="2000" dirty="0"/>
+              <a:t>:(</a:t>
+            </a:r>
+            <a:r>
+              <a:rPr lang="en-US" altLang="zh-CN" sz="2000" dirty="0" err="1">
+                <a:solidFill>
+                  <a:srgbClr val="4D009E"/>
+                </a:solidFill>
+                <a:latin typeface="Menlo-Regular"/>
+              </a:rPr>
+              <a:t>NSZone</a:t>
+            </a:r>
+            <a:r>
+              <a:rPr lang="en-US" altLang="zh-CN" sz="2000" dirty="0"/>
+              <a:t> *)zone;</a:t>
+            </a:r>
+          </a:p>
+          <a:p>
+            <a:pPr marL="0" indent="0">
+              <a:buNone/>
+            </a:pPr>
+            <a:r>
+              <a:rPr lang="en-US" altLang="zh-CN" sz="2000" dirty="0">
+                <a:solidFill>
+                  <a:srgbClr val="B40062"/>
+                </a:solidFill>
+                <a:latin typeface="Menlo-Regular"/>
+              </a:rPr>
+              <a:t>@end </a:t>
+            </a:r>
+            <a:endParaRPr lang="zh-CN" altLang="en-US" sz="2000" dirty="0">
+              <a:solidFill>
+                <a:srgbClr val="B40062"/>
+              </a:solidFill>
+              <a:latin typeface="Menlo-Regular"/>
+            </a:endParaRPr>
+          </a:p>
+        </p:txBody>
+      </p:sp>
+    </p:spTree>
+    <p:extLst>
+      <p:ext uri="{BB962C8B-B14F-4D97-AF65-F5344CB8AC3E}">
+        <p14:creationId xmlns:p14="http://schemas.microsoft.com/office/powerpoint/2010/main" val="1161696580"/>
+      </p:ext>
+    </p:extLst>
+  </p:cSld>
+  <p:clrMapOvr>
+    <a:masterClrMapping/>
+  </p:clrMapOvr>
+  <p:timing>
+    <p:tnLst>
+      <p:par>
+        <p:cTn xmlns:p14="http://schemas.microsoft.com/office/powerpoint/2010/main" id="1" dur="indefinite" restart="never" nodeType="tmRoot"/>
+      </p:par>
+    </p:tnLst>
+  </p:timing>
+</p:sld>
+</file>
+
+<file path=ppt/slides/slide4.xml><?xml version="1.0" encoding="utf-8"?>
+<p:sld xmlns:a="http://schemas.openxmlformats.org/drawingml/2006/main" xmlns:r="http://schemas.openxmlformats.org/officeDocument/2006/relationships" xmlns:p="http://schemas.openxmlformats.org/presentationml/2006/main">
+  <p:cSld>
+    <p:spTree>
+      <p:nvGrpSpPr>
+        <p:cNvPr id="1" name=""/>
+        <p:cNvGrpSpPr/>
+        <p:nvPr/>
+      </p:nvGrpSpPr>
+      <p:grpSpPr>
+        <a:xfrm>
+          <a:off x="0" y="0"/>
+          <a:ext cx="0" cy="0"/>
+          <a:chOff x="0" y="0"/>
+          <a:chExt cx="0" cy="0"/>
+        </a:xfrm>
+      </p:grpSpPr>
+      <p:sp>
+        <p:nvSpPr>
+          <p:cNvPr id="2" name="标题 1"/>
+          <p:cNvSpPr>
+            <a:spLocks noGrp="1"/>
+          </p:cNvSpPr>
+          <p:nvPr>
+            <p:ph type="title"/>
+          </p:nvPr>
+        </p:nvSpPr>
+        <p:spPr/>
+        <p:txBody>
+          <a:bodyPr/>
+          <a:lstStyle/>
+          <a:p>
+            <a:r>
+              <a:rPr kumimoji="1" lang="en-US" altLang="en-US" dirty="0"/>
+              <a:t>深复制和浅复制</a:t>
+            </a:r>
+            <a:endParaRPr kumimoji="1" lang="zh-CN" altLang="en-US" dirty="0"/>
+          </a:p>
+        </p:txBody>
+      </p:sp>
+      <p:sp>
+        <p:nvSpPr>
+          <p:cNvPr id="3" name="幻灯片编号占位符 2"/>
+          <p:cNvSpPr>
+            <a:spLocks noGrp="1"/>
+          </p:cNvSpPr>
+          <p:nvPr>
+            <p:ph type="sldNum" sz="quarter" idx="4"/>
+          </p:nvPr>
+        </p:nvSpPr>
+        <p:spPr/>
+        <p:txBody>
+          <a:bodyPr/>
+          <a:lstStyle/>
+          <a:p>
+            <a:fld id="{BF10DB53-D7D3-4DB6-A29F-40217B92EC88}" type="slidenum">
+              <a:rPr lang="en-US" smtClean="0"/>
+              <a:pPr/>
+              <a:t>3</a:t>
+            </a:fld>
+            <a:endParaRPr lang="en-US" dirty="0"/>
+          </a:p>
+        </p:txBody>
+      </p:sp>
+      <p:sp>
+        <p:nvSpPr>
+          <p:cNvPr id="5" name="文本框 4"/>
+          <p:cNvSpPr txBox="1"/>
+          <p:nvPr/>
+        </p:nvSpPr>
+        <p:spPr>
+          <a:xfrm>
+            <a:off x="251520" y="1225690"/>
+            <a:ext cx="8568952" cy="2862322"/>
+          </a:xfrm>
+          <a:prstGeom prst="rect">
+            <a:avLst/>
+          </a:prstGeom>
+          <a:noFill/>
+        </p:spPr>
+        <p:txBody>
+          <a:bodyPr wrap="square" rtlCol="0">
+            <a:spAutoFit/>
+          </a:bodyPr>
+          <a:lstStyle/>
+          <a:p>
+            <a:pPr marL="342900" indent="-342900">
+              <a:buFont typeface="Wingdings" charset="2"/>
+              <a:buChar char="u"/>
+            </a:pPr>
+            <a:r>
+              <a:rPr kumimoji="1" lang="zh-CN" altLang="en-US" sz="2000" dirty="0"/>
+              <a:t>深复制（深拷贝，内容拷贝，</a:t>
+            </a:r>
+            <a:r>
+              <a:rPr kumimoji="1" lang="en-US" altLang="zh-CN" sz="2000" dirty="0"/>
+              <a:t>deep</a:t>
+            </a:r>
+            <a:r>
+              <a:rPr kumimoji="1" lang="zh-CN" altLang="en-US" sz="2000" dirty="0"/>
+              <a:t> </a:t>
+            </a:r>
+            <a:r>
+              <a:rPr kumimoji="1" lang="en-US" altLang="zh-CN" sz="2000" dirty="0"/>
+              <a:t>copy</a:t>
+            </a:r>
+            <a:r>
+              <a:rPr kumimoji="1" lang="zh-CN" altLang="en-US" sz="2000" dirty="0"/>
+              <a:t>）</a:t>
+            </a:r>
+            <a:endParaRPr kumimoji="1" lang="en-US" altLang="zh-CN" sz="2000" dirty="0"/>
+          </a:p>
+          <a:p>
+            <a:pPr>
+              <a:buFont typeface="Wingdings" charset="2"/>
+              <a:buChar char="Ø"/>
+            </a:pPr>
+            <a:r>
+              <a:rPr kumimoji="1" lang="zh-CN" altLang="en-US" sz="2000" dirty="0"/>
+              <a:t>源对象和副本对象是不同的两个对象</a:t>
+            </a:r>
+            <a:endParaRPr kumimoji="1" lang="en-US" altLang="zh-CN" sz="2000" dirty="0"/>
+          </a:p>
+          <a:p>
+            <a:pPr>
+              <a:buFont typeface="Wingdings" charset="2"/>
+              <a:buChar char="Ø"/>
+            </a:pPr>
+            <a:r>
+              <a:rPr kumimoji="1" lang="zh-CN" altLang="en-US" sz="2000" dirty="0"/>
+              <a:t>源对象引用计数器不变</a:t>
+            </a:r>
+            <a:r>
+              <a:rPr kumimoji="1" lang="en-US" altLang="zh-CN" sz="2000" dirty="0"/>
+              <a:t>,</a:t>
+            </a:r>
+            <a:r>
+              <a:rPr kumimoji="1" lang="zh-CN" altLang="en-US" sz="2000" dirty="0"/>
+              <a:t> 副本对象计数器为</a:t>
+            </a:r>
+            <a:r>
+              <a:rPr kumimoji="1" lang="en-US" altLang="zh-CN" sz="2000" dirty="0"/>
+              <a:t>1</a:t>
+            </a:r>
+            <a:r>
+              <a:rPr kumimoji="1" lang="zh-CN" altLang="en-US" sz="2000" dirty="0"/>
+              <a:t>（因为是新产生的）</a:t>
+            </a:r>
+            <a:endParaRPr kumimoji="1" lang="en-US" altLang="zh-CN" sz="2000" dirty="0"/>
+          </a:p>
+          <a:p>
+            <a:pPr>
+              <a:buFont typeface="Wingdings" charset="2"/>
+              <a:buChar char="Ø"/>
+            </a:pPr>
+            <a:r>
+              <a:rPr kumimoji="1" lang="zh-CN" altLang="en-US" sz="2000" dirty="0"/>
+              <a:t>本质是：产生了新的对象</a:t>
+            </a:r>
+            <a:endParaRPr kumimoji="1" lang="en-US" altLang="zh-CN" sz="2000" dirty="0"/>
+          </a:p>
+          <a:p>
+            <a:pPr>
+              <a:buFont typeface="Wingdings" charset="2"/>
+              <a:buChar char="Ø"/>
+            </a:pPr>
+            <a:endParaRPr kumimoji="1" lang="en-US" altLang="zh-CN" sz="2000" dirty="0"/>
+          </a:p>
+          <a:p>
+            <a:pPr marL="342900" indent="-342900">
+              <a:buFont typeface="Wingdings" charset="2"/>
+              <a:buChar char="u"/>
+            </a:pPr>
+            <a:r>
+              <a:rPr kumimoji="1" lang="zh-CN" altLang="en-US" sz="2000" dirty="0"/>
+              <a:t>浅复制（浅拷贝，指针拷贝，</a:t>
+            </a:r>
+            <a:r>
+              <a:rPr kumimoji="1" lang="en-US" altLang="zh-CN" sz="2000" dirty="0"/>
+              <a:t>shallow</a:t>
+            </a:r>
+            <a:r>
+              <a:rPr kumimoji="1" lang="zh-CN" altLang="en-US" sz="2000" dirty="0"/>
+              <a:t> </a:t>
+            </a:r>
+            <a:r>
+              <a:rPr kumimoji="1" lang="en-US" altLang="zh-CN" sz="2000" dirty="0"/>
+              <a:t>copy</a:t>
+            </a:r>
+            <a:r>
+              <a:rPr kumimoji="1" lang="zh-CN" altLang="en-US" sz="2000" dirty="0"/>
+              <a:t>）</a:t>
+            </a:r>
+            <a:endParaRPr kumimoji="1" lang="en-US" altLang="zh-CN" sz="2000" dirty="0"/>
+          </a:p>
+          <a:p>
+            <a:pPr>
+              <a:buFont typeface="Wingdings" charset="2"/>
+              <a:buChar char="Ø"/>
+            </a:pPr>
+            <a:r>
+              <a:rPr kumimoji="1" lang="zh-CN" altLang="en-US" sz="2000" dirty="0"/>
+              <a:t>源对象和副本对象是同一个对象</a:t>
+            </a:r>
+            <a:endParaRPr kumimoji="1" lang="en-US" altLang="zh-CN" sz="2000" dirty="0"/>
+          </a:p>
+          <a:p>
+            <a:pPr>
+              <a:buFont typeface="Wingdings" charset="2"/>
+              <a:buChar char="Ø"/>
+            </a:pPr>
+            <a:r>
+              <a:rPr kumimoji="1" lang="zh-CN" altLang="en-US" sz="2000" dirty="0"/>
+              <a:t>源对象（副本对象）引用计数器 </a:t>
+            </a:r>
+            <a:r>
+              <a:rPr kumimoji="1" lang="en-US" altLang="zh-CN" sz="2000" dirty="0"/>
+              <a:t>+</a:t>
+            </a:r>
+            <a:r>
+              <a:rPr kumimoji="1" lang="zh-CN" altLang="en-US" sz="2000" dirty="0"/>
+              <a:t> </a:t>
+            </a:r>
+            <a:r>
+              <a:rPr kumimoji="1" lang="en-US" altLang="zh-CN" sz="2000" dirty="0"/>
+              <a:t>1,</a:t>
+            </a:r>
+            <a:r>
+              <a:rPr kumimoji="1" lang="zh-CN" altLang="en-US" sz="2000" dirty="0"/>
+              <a:t> 相当于做一次</a:t>
+            </a:r>
+            <a:r>
+              <a:rPr kumimoji="1" lang="en-US" altLang="zh-CN" sz="2000" dirty="0"/>
+              <a:t>retain</a:t>
+            </a:r>
+            <a:r>
+              <a:rPr kumimoji="1" lang="zh-CN" altLang="en-US" sz="2000" dirty="0"/>
+              <a:t>操作</a:t>
+            </a:r>
+            <a:endParaRPr kumimoji="1" lang="en-US" altLang="zh-CN" sz="2000" dirty="0"/>
+          </a:p>
+          <a:p>
+            <a:pPr>
+              <a:buFont typeface="Wingdings" charset="2"/>
+              <a:buChar char="Ø"/>
+            </a:pPr>
+            <a:r>
+              <a:rPr kumimoji="1" lang="zh-CN" altLang="en-US" sz="2000" dirty="0"/>
+              <a:t>本质是：没有产生新的对象</a:t>
+            </a:r>
+            <a:endParaRPr kumimoji="1" lang="en-US" altLang="zh-CN" sz="2000" dirty="0"/>
+          </a:p>
+        </p:txBody>
+      </p:sp>
+    </p:spTree>
+    <p:extLst>
+      <p:ext uri="{BB962C8B-B14F-4D97-AF65-F5344CB8AC3E}">
+        <p14:creationId xmlns:p14="http://schemas.microsoft.com/office/powerpoint/2010/main" val="4102075031"/>
+      </p:ext>
+    </p:extLst>
+  </p:cSld>
+  <p:clrMapOvr>
+    <a:masterClrMapping/>
+  </p:clrMapOvr>
+  <p:timing>
+    <p:tnLst>
+      <p:par>
+        <p:cTn xmlns:p14="http://schemas.microsoft.com/office/powerpoint/2010/main" id="1" dur="indefinite" restart="never" nodeType="tmRoot"/>
+      </p:par>
+    </p:tnLst>
+  </p:timing>
+</p:sld>
+</file>
+
+<file path=ppt/slides/slide5.xml><?xml version="1.0" encoding="utf-8"?>
+<p:sld xmlns:a="http://schemas.openxmlformats.org/drawingml/2006/main" xmlns:r="http://schemas.openxmlformats.org/officeDocument/2006/relationships" xmlns:p="http://schemas.openxmlformats.org/presentationml/2006/main">
+  <p:cSld>
+    <p:spTree>
+      <p:nvGrpSpPr>
+        <p:cNvPr id="1" name=""/>
+        <p:cNvGrpSpPr/>
+        <p:nvPr/>
+      </p:nvGrpSpPr>
+      <p:grpSpPr>
+        <a:xfrm>
+          <a:off x="0" y="0"/>
+          <a:ext cx="0" cy="0"/>
+          <a:chOff x="0" y="0"/>
+          <a:chExt cx="0" cy="0"/>
+        </a:xfrm>
+      </p:grpSpPr>
+      <p:sp>
+        <p:nvSpPr>
+          <p:cNvPr id="2" name="标题 1"/>
+          <p:cNvSpPr>
+            <a:spLocks noGrp="1"/>
+          </p:cNvSpPr>
+          <p:nvPr>
+            <p:ph type="title"/>
+          </p:nvPr>
+        </p:nvSpPr>
+        <p:spPr/>
+        <p:txBody>
+          <a:bodyPr/>
+          <a:lstStyle/>
+          <a:p>
+            <a:r>
+              <a:rPr kumimoji="1" lang="en-US" altLang="en-US" dirty="0"/>
+              <a:t>常见的复制</a:t>
+            </a:r>
+            <a:endParaRPr kumimoji="1" lang="zh-CN" altLang="en-US" dirty="0"/>
+          </a:p>
+        </p:txBody>
+      </p:sp>
+      <p:sp>
+        <p:nvSpPr>
+          <p:cNvPr id="3" name="幻灯片编号占位符 2"/>
+          <p:cNvSpPr>
+            <a:spLocks noGrp="1"/>
+          </p:cNvSpPr>
+          <p:nvPr>
+            <p:ph type="sldNum" sz="quarter" idx="4"/>
+          </p:nvPr>
+        </p:nvSpPr>
+        <p:spPr/>
+        <p:txBody>
+          <a:bodyPr/>
+          <a:lstStyle/>
+          <a:p>
+            <a:fld id="{BF10DB53-D7D3-4DB6-A29F-40217B92EC88}" type="slidenum">
+              <a:rPr lang="en-US" smtClean="0"/>
+              <a:pPr/>
+              <a:t>4</a:t>
+            </a:fld>
+            <a:endParaRPr lang="en-US" dirty="0"/>
+          </a:p>
+        </p:txBody>
+      </p:sp>
+      <p:sp>
+        <p:nvSpPr>
+          <p:cNvPr id="5" name="文本框 4"/>
+          <p:cNvSpPr txBox="1"/>
+          <p:nvPr/>
+        </p:nvSpPr>
+        <p:spPr>
+          <a:xfrm>
+            <a:off x="323528" y="4293096"/>
+            <a:ext cx="8568952" cy="400110"/>
+          </a:xfrm>
+          <a:prstGeom prst="rect">
+            <a:avLst/>
+          </a:prstGeom>
+          <a:noFill/>
+        </p:spPr>
+        <p:txBody>
+          <a:bodyPr wrap="square" rtlCol="0">
+            <a:spAutoFit/>
+          </a:bodyPr>
+          <a:lstStyle/>
+          <a:p>
+            <a:pPr marL="342900" indent="-342900">
+              <a:buFont typeface="Wingdings" charset="2"/>
+              <a:buChar char="Ø"/>
+            </a:pPr>
+            <a:r>
+              <a:rPr kumimoji="1" lang="zh-CN" altLang="en-US" sz="2000" dirty="0"/>
+              <a:t>只有源对象和副本对象都不可变时，才是浅复制，其它都是深复制</a:t>
+            </a:r>
+            <a:endParaRPr kumimoji="1" lang="en-US" altLang="zh-CN" sz="2000" dirty="0"/>
+          </a:p>
+        </p:txBody>
+      </p:sp>
+      <p:graphicFrame>
+        <p:nvGraphicFramePr>
+          <p:cNvPr id="6" name="Content Placeholder 3"/>
+          <p:cNvGraphicFramePr>
+            <a:graphicFrameLocks/>
+          </p:cNvGraphicFramePr>
+          <p:nvPr>
+            <p:extLst>
+              <p:ext uri="{D42A27DB-BD31-4B8C-83A1-F6EECF244321}">
+                <p14:modId xmlns:p14="http://schemas.microsoft.com/office/powerpoint/2010/main" val="2082388339"/>
+              </p:ext>
+            </p:extLst>
+          </p:nvPr>
+        </p:nvGraphicFramePr>
+        <p:xfrm>
+          <a:off x="467544" y="1412776"/>
+          <a:ext cx="8229598" cy="2595565"/>
+        </p:xfrm>
+        <a:graphic>
+          <a:graphicData uri="http://schemas.openxmlformats.org/drawingml/2006/table">
+            <a:tbl>
+              <a:tblPr firstRow="1" bandRow="1">
+                <a:tableStyleId>{0660B408-B3CF-4A94-85FC-2B1E0A45F4A2}</a:tableStyleId>
+              </a:tblPr>
+              <a:tblGrid>
+                <a:gridCol w="2921223"/>
+                <a:gridCol w="1886403"/>
+                <a:gridCol w="3421972"/>
+              </a:tblGrid>
+              <a:tr h="370795">
+                <a:tc>
+                  <a:txBody>
+                    <a:bodyPr/>
+                    <a:lstStyle/>
+                    <a:p>
+                      <a:pPr algn="ctr"/>
+                      <a:r>
+                        <a:rPr lang="zh-CN" altLang="en-US" sz="1800" dirty="0" smtClean="0"/>
+                        <a:t>源对象</a:t>
+                      </a:r>
+                      <a:endParaRPr lang="en-US" sz="1800" dirty="0"/>
+                    </a:p>
+                  </a:txBody>
+                  <a:tcPr marT="45714" marB="45714">
+                    <a:lnL w="12700" cap="flat" cmpd="sng" algn="ctr">
+                      <a:solidFill>
+                        <a:scrgbClr r="0" g="0" b="0"/>
+                      </a:solidFill>
+                      <a:prstDash val="solid"/>
+                      <a:round/>
+                      <a:headEnd type="none" w="med" len="med"/>
+                      <a:tailEnd type="none" w="med" len="med"/>
+                    </a:lnL>
+                    <a:lnR w="12700" cap="flat" cmpd="sng" algn="ctr">
+                      <a:solidFill>
+                        <a:scrgbClr r="0" g="0" b="0"/>
+                      </a:solidFill>
+                      <a:prstDash val="solid"/>
+                      <a:round/>
+                      <a:headEnd type="none" w="med" len="med"/>
+                      <a:tailEnd type="none" w="med" len="med"/>
+                    </a:lnR>
+                    <a:lnT w="12700" cap="flat" cmpd="sng" algn="ctr">
+                      <a:solidFill>
+                        <a:scrgbClr r="0" g="0" b="0"/>
+                      </a:solidFill>
+                      <a:prstDash val="solid"/>
+                      <a:round/>
+                      <a:headEnd type="none" w="med" len="med"/>
+                      <a:tailEnd type="none" w="med" len="med"/>
+                    </a:lnT>
+                    <a:lnB w="12700" cap="flat" cmpd="sng" algn="ctr">
+                      <a:solidFill>
+                        <a:scrgbClr r="0" g="0" b="0"/>
+                      </a:solidFill>
+                      <a:prstDash val="solid"/>
+                      <a:round/>
+                      <a:headEnd type="none" w="med" len="med"/>
+                      <a:tailEnd type="none" w="med" len="med"/>
+                    </a:lnB>
+                  </a:tcPr>
+                </a:tc>
+                <a:tc>
+                  <a:txBody>
+                    <a:bodyPr/>
+                    <a:lstStyle/>
+                    <a:p>
+                      <a:pPr algn="ctr"/>
+                      <a:r>
+                        <a:rPr lang="zh-CN" altLang="en-US" sz="1800" dirty="0" smtClean="0"/>
+                        <a:t>复制方式</a:t>
+                      </a:r>
+                      <a:endParaRPr lang="en-US" sz="1800" dirty="0"/>
+                    </a:p>
+                  </a:txBody>
+                  <a:tcPr marT="45714" marB="45714">
+                    <a:lnL w="12700" cap="flat" cmpd="sng" algn="ctr">
+                      <a:solidFill>
+                        <a:scrgbClr r="0" g="0" b="0"/>
+                      </a:solidFill>
+                      <a:prstDash val="solid"/>
+                      <a:round/>
+                      <a:headEnd type="none" w="med" len="med"/>
+                      <a:tailEnd type="none" w="med" len="med"/>
+                    </a:lnL>
+                    <a:lnR w="12700" cap="flat" cmpd="sng" algn="ctr">
+                      <a:solidFill>
+                        <a:scrgbClr r="0" g="0" b="0"/>
+                      </a:solidFill>
+                      <a:prstDash val="solid"/>
+                      <a:round/>
+                      <a:headEnd type="none" w="med" len="med"/>
+                      <a:tailEnd type="none" w="med" len="med"/>
+                    </a:lnR>
+                    <a:lnT w="12700" cap="flat" cmpd="sng" algn="ctr">
+                      <a:solidFill>
+                        <a:scrgbClr r="0" g="0" b="0"/>
+                      </a:solidFill>
+                      <a:prstDash val="solid"/>
+                      <a:round/>
+                      <a:headEnd type="none" w="med" len="med"/>
+                      <a:tailEnd type="none" w="med" len="med"/>
+                    </a:lnT>
+                    <a:lnB w="12700" cap="flat" cmpd="sng" algn="ctr">
+                      <a:solidFill>
+                        <a:scrgbClr r="0" g="0" b="0"/>
+                      </a:solidFill>
+                      <a:prstDash val="solid"/>
+                      <a:round/>
+                      <a:headEnd type="none" w="med" len="med"/>
+                      <a:tailEnd type="none" w="med" len="med"/>
+                    </a:lnB>
+                  </a:tcPr>
+                </a:tc>
+                <a:tc>
+                  <a:txBody>
+                    <a:bodyPr/>
+                    <a:lstStyle/>
+                    <a:p>
+                      <a:pPr algn="ctr"/>
+                      <a:r>
+                        <a:rPr lang="zh-CN" altLang="en-US" sz="1800" dirty="0" smtClean="0"/>
+                        <a:t>副本</a:t>
+                      </a:r>
+                      <a:endParaRPr lang="en-US" sz="1800" dirty="0"/>
+                    </a:p>
+                  </a:txBody>
+                  <a:tcPr marT="45714" marB="45714">
+                    <a:lnL w="12700" cap="flat" cmpd="sng" algn="ctr">
+                      <a:solidFill>
+                        <a:scrgbClr r="0" g="0" b="0"/>
+                      </a:solidFill>
+                      <a:prstDash val="solid"/>
+                      <a:round/>
+                      <a:headEnd type="none" w="med" len="med"/>
+                      <a:tailEnd type="none" w="med" len="med"/>
+                    </a:lnL>
+                    <a:lnR w="12700" cap="flat" cmpd="sng" algn="ctr">
+                      <a:solidFill>
+                        <a:scrgbClr r="0" g="0" b="0"/>
+                      </a:solidFill>
+                      <a:prstDash val="solid"/>
+                      <a:round/>
+                      <a:headEnd type="none" w="med" len="med"/>
+                      <a:tailEnd type="none" w="med" len="med"/>
+                    </a:lnR>
+                    <a:lnT w="12700" cap="flat" cmpd="sng" algn="ctr">
+                      <a:solidFill>
+                        <a:scrgbClr r="0" g="0" b="0"/>
+                      </a:solidFill>
+                      <a:prstDash val="solid"/>
+                      <a:round/>
+                      <a:headEnd type="none" w="med" len="med"/>
+                      <a:tailEnd type="none" w="med" len="med"/>
+                    </a:lnT>
+                    <a:lnB w="12700" cap="flat" cmpd="sng" algn="ctr">
+                      <a:solidFill>
+                        <a:scrgbClr r="0" g="0" b="0"/>
+                      </a:solidFill>
+                      <a:prstDash val="solid"/>
+                      <a:round/>
+                      <a:headEnd type="none" w="med" len="med"/>
+                      <a:tailEnd type="none" w="med" len="med"/>
+                    </a:lnB>
+                  </a:tcPr>
+                </a:tc>
+              </a:tr>
+              <a:tr h="370795">
+                <a:tc rowSpan="2">
+                  <a:txBody>
+                    <a:bodyPr/>
+                    <a:lstStyle/>
+                    <a:p>
+                      <a:pPr algn="ctr"/>
+                      <a:r>
+                        <a:rPr lang="en-US" altLang="zh-CN" sz="1600" dirty="0" smtClean="0">
+                          <a:solidFill>
+                            <a:srgbClr val="4D009E"/>
+                          </a:solidFill>
+                          <a:latin typeface="Menlo-Regular"/>
+                        </a:rPr>
+                        <a:t>NSArray</a:t>
+                      </a:r>
+                      <a:endParaRPr lang="en-US" altLang="zh-CN" sz="1700" kern="1200" dirty="0" smtClean="0"/>
+                    </a:p>
+                    <a:p>
+                      <a:pPr algn="ctr"/>
+                      <a:r>
+                        <a:rPr lang="en-US" altLang="zh-CN" sz="1600" kern="1200" dirty="0" smtClean="0">
+                          <a:solidFill>
+                            <a:srgbClr val="4D009E"/>
+                          </a:solidFill>
+                          <a:latin typeface="Menlo-Regular"/>
+                          <a:ea typeface="+mn-ea"/>
+                          <a:cs typeface="+mn-cs"/>
+                        </a:rPr>
+                        <a:t>NSMutableArray</a:t>
+                      </a:r>
+                    </a:p>
+                  </a:txBody>
+                  <a:tcPr marT="45714" marB="45714">
+                    <a:lnL w="12700" cap="flat" cmpd="sng" algn="ctr">
+                      <a:solidFill>
+                        <a:scrgbClr r="0" g="0" b="0"/>
+                      </a:solidFill>
+                      <a:prstDash val="solid"/>
+                      <a:round/>
+                      <a:headEnd type="none" w="med" len="med"/>
+                      <a:tailEnd type="none" w="med" len="med"/>
+                    </a:lnL>
+                    <a:lnR w="12700" cap="flat" cmpd="sng" algn="ctr">
+                      <a:solidFill>
+                        <a:scrgbClr r="0" g="0" b="0"/>
+                      </a:solidFill>
+                      <a:prstDash val="solid"/>
+                      <a:round/>
+                      <a:headEnd type="none" w="med" len="med"/>
+                      <a:tailEnd type="none" w="med" len="med"/>
+                    </a:lnR>
+                    <a:lnT w="12700" cap="flat" cmpd="sng" algn="ctr">
+                      <a:solidFill>
+                        <a:scrgbClr r="0" g="0" b="0"/>
+                      </a:solidFill>
+                      <a:prstDash val="solid"/>
+                      <a:round/>
+                      <a:headEnd type="none" w="med" len="med"/>
+                      <a:tailEnd type="none" w="med" len="med"/>
+                    </a:lnT>
+                    <a:lnB w="12700" cap="flat" cmpd="sng" algn="ctr">
+                      <a:solidFill>
+                        <a:scrgbClr r="0" g="0" b="0"/>
+                      </a:solidFill>
+                      <a:prstDash val="solid"/>
+                      <a:round/>
+                      <a:headEnd type="none" w="med" len="med"/>
+                      <a:tailEnd type="none" w="med" len="med"/>
+                    </a:lnB>
+                  </a:tcPr>
+                </a:tc>
+                <a:tc>
+                  <a:txBody>
+                    <a:bodyPr/>
+                    <a:lstStyle/>
+                    <a:p>
+                      <a:pPr algn="ctr"/>
+                      <a:r>
+                        <a:rPr lang="en-US" altLang="zh-CN" sz="1800" dirty="0" smtClean="0"/>
+                        <a:t>copy</a:t>
+                      </a:r>
+                      <a:endParaRPr lang="en-US" sz="1800" dirty="0"/>
+                    </a:p>
+                  </a:txBody>
+                  <a:tcPr marT="45714" marB="45714">
+                    <a:lnL w="12700" cap="flat" cmpd="sng" algn="ctr">
+                      <a:solidFill>
+                        <a:scrgbClr r="0" g="0" b="0"/>
+                      </a:solidFill>
+                      <a:prstDash val="solid"/>
+                      <a:round/>
+                      <a:headEnd type="none" w="med" len="med"/>
+                      <a:tailEnd type="none" w="med" len="med"/>
+                    </a:lnL>
+                    <a:lnR w="12700" cap="flat" cmpd="sng" algn="ctr">
+                      <a:solidFill>
+                        <a:scrgbClr r="0" g="0" b="0"/>
+                      </a:solidFill>
+                      <a:prstDash val="solid"/>
+                      <a:round/>
+                      <a:headEnd type="none" w="med" len="med"/>
+                      <a:tailEnd type="none" w="med" len="med"/>
+                    </a:lnR>
+                    <a:lnT w="12700" cap="flat" cmpd="sng" algn="ctr">
+                      <a:solidFill>
+                        <a:scrgbClr r="0" g="0" b="0"/>
+                      </a:solidFill>
+                      <a:prstDash val="solid"/>
+                      <a:round/>
+                      <a:headEnd type="none" w="med" len="med"/>
+                      <a:tailEnd type="none" w="med" len="med"/>
+                    </a:lnT>
+                    <a:lnB w="12700" cap="flat" cmpd="sng" algn="ctr">
+                      <a:solidFill>
+                        <a:scrgbClr r="0" g="0" b="0"/>
+                      </a:solidFill>
+                      <a:prstDash val="solid"/>
+                      <a:round/>
+                      <a:headEnd type="none" w="med" len="med"/>
+                      <a:tailEnd type="none" w="med" len="med"/>
+                    </a:lnB>
+                  </a:tcPr>
+                </a:tc>
+                <a:tc>
+                  <a:txBody>
+                    <a:bodyPr/>
+                    <a:lstStyle/>
+                    <a:p>
+                      <a:pPr algn="ctr"/>
+                      <a:r>
+                        <a:rPr lang="en-US" altLang="zh-CN" sz="1800" dirty="0" smtClean="0">
+                          <a:solidFill>
+                            <a:srgbClr val="4D009E"/>
+                          </a:solidFill>
+                          <a:latin typeface="Menlo-Regular"/>
+                        </a:rPr>
+                        <a:t>NSArray</a:t>
+                      </a:r>
+                      <a:endParaRPr lang="en-US" sz="1800" dirty="0"/>
+                    </a:p>
+                  </a:txBody>
+                  <a:tcPr marT="45714" marB="45714">
+                    <a:lnL w="12700" cap="flat" cmpd="sng" algn="ctr">
+                      <a:solidFill>
+                        <a:scrgbClr r="0" g="0" b="0"/>
+                      </a:solidFill>
+                      <a:prstDash val="solid"/>
+                      <a:round/>
+                      <a:headEnd type="none" w="med" len="med"/>
+                      <a:tailEnd type="none" w="med" len="med"/>
+                    </a:lnL>
+                    <a:lnR w="12700" cap="flat" cmpd="sng" algn="ctr">
+                      <a:solidFill>
+                        <a:scrgbClr r="0" g="0" b="0"/>
+                      </a:solidFill>
+                      <a:prstDash val="solid"/>
+                      <a:round/>
+                      <a:headEnd type="none" w="med" len="med"/>
+                      <a:tailEnd type="none" w="med" len="med"/>
+                    </a:lnR>
+                    <a:lnT w="12700" cap="flat" cmpd="sng" algn="ctr">
+                      <a:solidFill>
+                        <a:scrgbClr r="0" g="0" b="0"/>
+                      </a:solidFill>
+                      <a:prstDash val="solid"/>
+                      <a:round/>
+                      <a:headEnd type="none" w="med" len="med"/>
+                      <a:tailEnd type="none" w="med" len="med"/>
+                    </a:lnT>
+                    <a:lnB w="12700" cap="flat" cmpd="sng" algn="ctr">
+                      <a:solidFill>
+                        <a:scrgbClr r="0" g="0" b="0"/>
+                      </a:solidFill>
+                      <a:prstDash val="solid"/>
+                      <a:round/>
+                      <a:headEnd type="none" w="med" len="med"/>
+                      <a:tailEnd type="none" w="med" len="med"/>
+                    </a:lnB>
+                  </a:tcPr>
+                </a:tc>
+              </a:tr>
+              <a:tr h="370795">
+                <a:tc vMerge="1">
+                  <a:txBody>
+                    <a:bodyPr/>
+                    <a:lstStyle/>
+                    <a:p>
+                      <a:endParaRPr lang="en-US" dirty="0"/>
+                    </a:p>
+                  </a:txBody>
+                  <a:tcPr/>
+                </a:tc>
+                <a:tc>
+                  <a:txBody>
+                    <a:bodyPr/>
+                    <a:lstStyle/>
+                    <a:p>
+                      <a:pPr algn="ctr"/>
+                      <a:r>
+                        <a:rPr lang="en-US" altLang="zh-CN" sz="1800" dirty="0" smtClean="0"/>
+                        <a:t>mutableCopy</a:t>
+                      </a:r>
+                      <a:endParaRPr lang="en-US" sz="1800" dirty="0"/>
+                    </a:p>
+                  </a:txBody>
+                  <a:tcPr marT="45714" marB="45714">
+                    <a:lnL w="12700" cap="flat" cmpd="sng" algn="ctr">
+                      <a:solidFill>
+                        <a:scrgbClr r="0" g="0" b="0"/>
+                      </a:solidFill>
+                      <a:prstDash val="solid"/>
+                      <a:round/>
+                      <a:headEnd type="none" w="med" len="med"/>
+                      <a:tailEnd type="none" w="med" len="med"/>
+                    </a:lnL>
+                    <a:lnR w="12700" cap="flat" cmpd="sng" algn="ctr">
+                      <a:solidFill>
+                        <a:scrgbClr r="0" g="0" b="0"/>
+                      </a:solidFill>
+                      <a:prstDash val="solid"/>
+                      <a:round/>
+                      <a:headEnd type="none" w="med" len="med"/>
+                      <a:tailEnd type="none" w="med" len="med"/>
+                    </a:lnR>
+                    <a:lnT w="12700" cap="flat" cmpd="sng" algn="ctr">
+                      <a:solidFill>
+                        <a:scrgbClr r="0" g="0" b="0"/>
+                      </a:solidFill>
+                      <a:prstDash val="solid"/>
+                      <a:round/>
+                      <a:headEnd type="none" w="med" len="med"/>
+                      <a:tailEnd type="none" w="med" len="med"/>
+                    </a:lnT>
+                    <a:lnB w="12700" cap="flat" cmpd="sng" algn="ctr">
+                      <a:solidFill>
+                        <a:scrgbClr r="0" g="0" b="0"/>
+                      </a:solidFill>
+                      <a:prstDash val="solid"/>
+                      <a:round/>
+                      <a:headEnd type="none" w="med" len="med"/>
+                      <a:tailEnd type="none" w="med" len="med"/>
+                    </a:lnB>
+                  </a:tcPr>
+                </a:tc>
+                <a:tc>
+                  <a:txBody>
+                    <a:bodyPr/>
+                    <a:lstStyle/>
+                    <a:p>
+                      <a:pPr algn="ctr"/>
+                      <a:r>
+                        <a:rPr lang="en-US" altLang="zh-CN" sz="1800" kern="1200" dirty="0" smtClean="0">
+                          <a:solidFill>
+                            <a:srgbClr val="4D009E"/>
+                          </a:solidFill>
+                          <a:latin typeface="Menlo-Regular"/>
+                          <a:ea typeface="+mn-ea"/>
+                          <a:cs typeface="+mn-cs"/>
+                        </a:rPr>
+                        <a:t>NSMutableArray</a:t>
+                      </a:r>
+                      <a:endParaRPr lang="en-US" sz="1800" dirty="0"/>
+                    </a:p>
+                  </a:txBody>
+                  <a:tcPr marT="45714" marB="45714">
+                    <a:lnL w="12700" cap="flat" cmpd="sng" algn="ctr">
+                      <a:solidFill>
+                        <a:scrgbClr r="0" g="0" b="0"/>
+                      </a:solidFill>
+                      <a:prstDash val="solid"/>
+                      <a:round/>
+                      <a:headEnd type="none" w="med" len="med"/>
+                      <a:tailEnd type="none" w="med" len="med"/>
+                    </a:lnL>
+                    <a:lnR w="12700" cap="flat" cmpd="sng" algn="ctr">
+                      <a:solidFill>
+                        <a:scrgbClr r="0" g="0" b="0"/>
+                      </a:solidFill>
+                      <a:prstDash val="solid"/>
+                      <a:round/>
+                      <a:headEnd type="none" w="med" len="med"/>
+                      <a:tailEnd type="none" w="med" len="med"/>
+                    </a:lnR>
+                    <a:lnT w="12700" cap="flat" cmpd="sng" algn="ctr">
+                      <a:solidFill>
+                        <a:scrgbClr r="0" g="0" b="0"/>
+                      </a:solidFill>
+                      <a:prstDash val="solid"/>
+                      <a:round/>
+                      <a:headEnd type="none" w="med" len="med"/>
+                      <a:tailEnd type="none" w="med" len="med"/>
+                    </a:lnT>
+                    <a:lnB w="12700" cap="flat" cmpd="sng" algn="ctr">
+                      <a:solidFill>
+                        <a:scrgbClr r="0" g="0" b="0"/>
+                      </a:solidFill>
+                      <a:prstDash val="solid"/>
+                      <a:round/>
+                      <a:headEnd type="none" w="med" len="med"/>
+                      <a:tailEnd type="none" w="med" len="med"/>
+                    </a:lnB>
+                  </a:tcPr>
+                </a:tc>
+              </a:tr>
+              <a:tr h="370795">
+                <a:tc rowSpan="2">
+                  <a:txBody>
+                    <a:bodyPr/>
+                    <a:lstStyle/>
+                    <a:p>
+                      <a:pPr algn="ctr"/>
+                      <a:r>
+                        <a:rPr lang="en-US" altLang="zh-CN" sz="1600" kern="1200" dirty="0" smtClean="0">
+                          <a:solidFill>
+                            <a:srgbClr val="4D009E"/>
+                          </a:solidFill>
+                          <a:latin typeface="Menlo-Regular"/>
+                          <a:ea typeface="+mn-ea"/>
+                          <a:cs typeface="+mn-cs"/>
+                        </a:rPr>
+                        <a:t>NSDictionary</a:t>
+                      </a:r>
+                      <a:endParaRPr lang="en-US" sz="1600" kern="1200" dirty="0">
+                        <a:solidFill>
+                          <a:srgbClr val="4D009E"/>
+                        </a:solidFill>
+                        <a:latin typeface="Menlo-Regular"/>
+                        <a:ea typeface="+mn-ea"/>
+                        <a:cs typeface="+mn-cs"/>
+                      </a:endParaRPr>
+                    </a:p>
+                    <a:p>
+                      <a:pPr algn="ctr"/>
+                      <a:r>
+                        <a:rPr lang="en-US" altLang="zh-CN" sz="1600" kern="1200" dirty="0" smtClean="0">
+                          <a:solidFill>
+                            <a:srgbClr val="4D009E"/>
+                          </a:solidFill>
+                          <a:latin typeface="Menlo-Regular"/>
+                          <a:ea typeface="+mn-ea"/>
+                          <a:cs typeface="+mn-cs"/>
+                        </a:rPr>
+                        <a:t>NSMutableDictionary</a:t>
+                      </a:r>
+                      <a:endParaRPr lang="en-US" sz="1600" kern="1200" dirty="0">
+                        <a:solidFill>
+                          <a:srgbClr val="4D009E"/>
+                        </a:solidFill>
+                        <a:latin typeface="Menlo-Regular"/>
+                        <a:ea typeface="+mn-ea"/>
+                        <a:cs typeface="+mn-cs"/>
+                      </a:endParaRPr>
+                    </a:p>
+                  </a:txBody>
+                  <a:tcPr marT="45714" marB="45714">
+                    <a:lnL w="12700" cap="flat" cmpd="sng" algn="ctr">
+                      <a:solidFill>
+                        <a:scrgbClr r="0" g="0" b="0"/>
+                      </a:solidFill>
+                      <a:prstDash val="solid"/>
+                      <a:round/>
+                      <a:headEnd type="none" w="med" len="med"/>
+                      <a:tailEnd type="none" w="med" len="med"/>
+                    </a:lnL>
+                    <a:lnR w="12700" cap="flat" cmpd="sng" algn="ctr">
+                      <a:solidFill>
+                        <a:scrgbClr r="0" g="0" b="0"/>
+                      </a:solidFill>
+                      <a:prstDash val="solid"/>
+                      <a:round/>
+                      <a:headEnd type="none" w="med" len="med"/>
+                      <a:tailEnd type="none" w="med" len="med"/>
+                    </a:lnR>
+                    <a:lnT w="12700" cap="flat" cmpd="sng" algn="ctr">
+                      <a:solidFill>
+                        <a:scrgbClr r="0" g="0" b="0"/>
+                      </a:solidFill>
+                      <a:prstDash val="solid"/>
+                      <a:round/>
+                      <a:headEnd type="none" w="med" len="med"/>
+                      <a:tailEnd type="none" w="med" len="med"/>
+                    </a:lnT>
+                    <a:lnB w="12700" cap="flat" cmpd="sng" algn="ctr">
+                      <a:solidFill>
+                        <a:scrgbClr r="0" g="0" b="0"/>
+                      </a:solidFill>
+                      <a:prstDash val="solid"/>
+                      <a:round/>
+                      <a:headEnd type="none" w="med" len="med"/>
+                      <a:tailEnd type="none" w="med" len="med"/>
+                    </a:lnB>
+                  </a:tcPr>
+                </a:tc>
+                <a:tc>
+                  <a:txBody>
+                    <a:bodyPr/>
+                    <a:lstStyle/>
+                    <a:p>
+                      <a:pPr algn="ctr"/>
+                      <a:r>
+                        <a:rPr lang="en-US" altLang="zh-CN" sz="1800" dirty="0" smtClean="0"/>
+                        <a:t>copy</a:t>
+                      </a:r>
+                      <a:endParaRPr lang="en-US" sz="1800" dirty="0"/>
+                    </a:p>
+                  </a:txBody>
+                  <a:tcPr marT="45714" marB="45714">
+                    <a:lnL w="12700" cap="flat" cmpd="sng" algn="ctr">
+                      <a:solidFill>
+                        <a:scrgbClr r="0" g="0" b="0"/>
+                      </a:solidFill>
+                      <a:prstDash val="solid"/>
+                      <a:round/>
+                      <a:headEnd type="none" w="med" len="med"/>
+                      <a:tailEnd type="none" w="med" len="med"/>
+                    </a:lnL>
+                    <a:lnR w="12700" cap="flat" cmpd="sng" algn="ctr">
+                      <a:solidFill>
+                        <a:scrgbClr r="0" g="0" b="0"/>
+                      </a:solidFill>
+                      <a:prstDash val="solid"/>
+                      <a:round/>
+                      <a:headEnd type="none" w="med" len="med"/>
+                      <a:tailEnd type="none" w="med" len="med"/>
+                    </a:lnR>
+                    <a:lnT w="12700" cap="flat" cmpd="sng" algn="ctr">
+                      <a:solidFill>
+                        <a:scrgbClr r="0" g="0" b="0"/>
+                      </a:solidFill>
+                      <a:prstDash val="solid"/>
+                      <a:round/>
+                      <a:headEnd type="none" w="med" len="med"/>
+                      <a:tailEnd type="none" w="med" len="med"/>
+                    </a:lnT>
+                    <a:lnB w="12700" cap="flat" cmpd="sng" algn="ctr">
+                      <a:solidFill>
+                        <a:scrgbClr r="0" g="0" b="0"/>
+                      </a:solidFill>
+                      <a:prstDash val="solid"/>
+                      <a:round/>
+                      <a:headEnd type="none" w="med" len="med"/>
+                      <a:tailEnd type="none" w="med" len="med"/>
+                    </a:lnB>
+                  </a:tcPr>
+                </a:tc>
+                <a:tc>
+                  <a:txBody>
+                    <a:bodyPr/>
+                    <a:lstStyle/>
+                    <a:p>
+                      <a:pPr algn="ctr"/>
+                      <a:r>
+                        <a:rPr lang="en-US" altLang="zh-CN" sz="1800" kern="1200" dirty="0" smtClean="0">
+                          <a:solidFill>
+                            <a:srgbClr val="4D009E"/>
+                          </a:solidFill>
+                          <a:latin typeface="Menlo-Regular"/>
+                          <a:ea typeface="+mn-ea"/>
+                          <a:cs typeface="+mn-cs"/>
+                        </a:rPr>
+                        <a:t>NSDictionary</a:t>
+                      </a:r>
+                      <a:endParaRPr lang="en-US" sz="1800" dirty="0"/>
+                    </a:p>
+                  </a:txBody>
+                  <a:tcPr marT="45714" marB="45714">
+                    <a:lnL w="12700" cap="flat" cmpd="sng" algn="ctr">
+                      <a:solidFill>
+                        <a:scrgbClr r="0" g="0" b="0"/>
+                      </a:solidFill>
+                      <a:prstDash val="solid"/>
+                      <a:round/>
+                      <a:headEnd type="none" w="med" len="med"/>
+                      <a:tailEnd type="none" w="med" len="med"/>
+                    </a:lnL>
+                    <a:lnR w="12700" cap="flat" cmpd="sng" algn="ctr">
+                      <a:solidFill>
+                        <a:scrgbClr r="0" g="0" b="0"/>
+                      </a:solidFill>
+                      <a:prstDash val="solid"/>
+                      <a:round/>
+                      <a:headEnd type="none" w="med" len="med"/>
+                      <a:tailEnd type="none" w="med" len="med"/>
+                    </a:lnR>
+                    <a:lnT w="12700" cap="flat" cmpd="sng" algn="ctr">
+                      <a:solidFill>
+                        <a:scrgbClr r="0" g="0" b="0"/>
+                      </a:solidFill>
+                      <a:prstDash val="solid"/>
+                      <a:round/>
+                      <a:headEnd type="none" w="med" len="med"/>
+                      <a:tailEnd type="none" w="med" len="med"/>
+                    </a:lnT>
+                    <a:lnB w="12700" cap="flat" cmpd="sng" algn="ctr">
+                      <a:solidFill>
+                        <a:scrgbClr r="0" g="0" b="0"/>
+                      </a:solidFill>
+                      <a:prstDash val="solid"/>
+                      <a:round/>
+                      <a:headEnd type="none" w="med" len="med"/>
+                      <a:tailEnd type="none" w="med" len="med"/>
+                    </a:lnB>
+                  </a:tcPr>
+                </a:tc>
+              </a:tr>
+              <a:tr h="370795">
+                <a:tc vMerge="1">
+                  <a:txBody>
+                    <a:bodyPr/>
+                    <a:lstStyle/>
+                    <a:p>
+                      <a:endParaRPr lang="en-US" dirty="0"/>
+                    </a:p>
+                  </a:txBody>
+                  <a:tcPr/>
+                </a:tc>
+                <a:tc>
+                  <a:txBody>
+                    <a:bodyPr/>
+                    <a:lstStyle/>
+                    <a:p>
+                      <a:pPr algn="ctr"/>
+                      <a:r>
+                        <a:rPr lang="en-US" altLang="zh-CN" sz="1800" dirty="0" smtClean="0"/>
+                        <a:t>mutableCopy</a:t>
+                      </a:r>
+                      <a:endParaRPr lang="en-US" sz="1800" dirty="0"/>
+                    </a:p>
+                  </a:txBody>
+                  <a:tcPr marT="45714" marB="45714">
+                    <a:lnL w="12700" cap="flat" cmpd="sng" algn="ctr">
+                      <a:solidFill>
+                        <a:scrgbClr r="0" g="0" b="0"/>
+                      </a:solidFill>
+                      <a:prstDash val="solid"/>
+                      <a:round/>
+                      <a:headEnd type="none" w="med" len="med"/>
+                      <a:tailEnd type="none" w="med" len="med"/>
+                    </a:lnL>
+                    <a:lnR w="12700" cap="flat" cmpd="sng" algn="ctr">
+                      <a:solidFill>
+                        <a:scrgbClr r="0" g="0" b="0"/>
+                      </a:solidFill>
+                      <a:prstDash val="solid"/>
+                      <a:round/>
+                      <a:headEnd type="none" w="med" len="med"/>
+                      <a:tailEnd type="none" w="med" len="med"/>
+                    </a:lnR>
+                    <a:lnT w="12700" cap="flat" cmpd="sng" algn="ctr">
+                      <a:solidFill>
+                        <a:scrgbClr r="0" g="0" b="0"/>
+                      </a:solidFill>
+                      <a:prstDash val="solid"/>
+                      <a:round/>
+                      <a:headEnd type="none" w="med" len="med"/>
+                      <a:tailEnd type="none" w="med" len="med"/>
+                    </a:lnT>
+                    <a:lnB w="12700" cap="flat" cmpd="sng" algn="ctr">
+                      <a:solidFill>
+                        <a:scrgbClr r="0" g="0" b="0"/>
+                      </a:solidFill>
+                      <a:prstDash val="solid"/>
+                      <a:round/>
+                      <a:headEnd type="none" w="med" len="med"/>
+                      <a:tailEnd type="none" w="med" len="med"/>
+                    </a:lnB>
+                  </a:tcPr>
+                </a:tc>
+                <a:tc>
+                  <a:txBody>
+                    <a:bodyPr/>
+                    <a:lstStyle/>
+                    <a:p>
+                      <a:pPr algn="ctr"/>
+                      <a:r>
+                        <a:rPr lang="en-US" altLang="zh-CN" sz="1800" kern="1200" dirty="0" smtClean="0">
+                          <a:solidFill>
+                            <a:srgbClr val="4D009E"/>
+                          </a:solidFill>
+                          <a:latin typeface="Menlo-Regular"/>
+                          <a:ea typeface="+mn-ea"/>
+                          <a:cs typeface="+mn-cs"/>
+                        </a:rPr>
+                        <a:t>NSMutableDictionary</a:t>
+                      </a:r>
+                      <a:endParaRPr lang="en-US" sz="1800" dirty="0"/>
+                    </a:p>
+                  </a:txBody>
+                  <a:tcPr marT="45714" marB="45714">
+                    <a:lnL w="12700" cap="flat" cmpd="sng" algn="ctr">
+                      <a:solidFill>
+                        <a:scrgbClr r="0" g="0" b="0"/>
+                      </a:solidFill>
+                      <a:prstDash val="solid"/>
+                      <a:round/>
+                      <a:headEnd type="none" w="med" len="med"/>
+                      <a:tailEnd type="none" w="med" len="med"/>
+                    </a:lnL>
+                    <a:lnR w="12700" cap="flat" cmpd="sng" algn="ctr">
+                      <a:solidFill>
+                        <a:scrgbClr r="0" g="0" b="0"/>
+                      </a:solidFill>
+                      <a:prstDash val="solid"/>
+                      <a:round/>
+                      <a:headEnd type="none" w="med" len="med"/>
+                      <a:tailEnd type="none" w="med" len="med"/>
+                    </a:lnR>
+                    <a:lnT w="12700" cap="flat" cmpd="sng" algn="ctr">
+                      <a:solidFill>
+                        <a:scrgbClr r="0" g="0" b="0"/>
+                      </a:solidFill>
+                      <a:prstDash val="solid"/>
+                      <a:round/>
+                      <a:headEnd type="none" w="med" len="med"/>
+                      <a:tailEnd type="none" w="med" len="med"/>
+                    </a:lnT>
+                    <a:lnB w="12700" cap="flat" cmpd="sng" algn="ctr">
+                      <a:solidFill>
+                        <a:scrgbClr r="0" g="0" b="0"/>
+                      </a:solidFill>
+                      <a:prstDash val="solid"/>
+                      <a:round/>
+                      <a:headEnd type="none" w="med" len="med"/>
+                      <a:tailEnd type="none" w="med" len="med"/>
+                    </a:lnB>
+                  </a:tcPr>
+                </a:tc>
+              </a:tr>
+              <a:tr h="370795">
+                <a:tc rowSpan="2">
+                  <a:txBody>
+                    <a:bodyPr/>
+                    <a:lstStyle/>
+                    <a:p>
+                      <a:pPr algn="ctr"/>
+                      <a:r>
+                        <a:rPr lang="en-US" sz="1600" kern="1200" dirty="0" smtClean="0">
+                          <a:solidFill>
+                            <a:srgbClr val="4D009E"/>
+                          </a:solidFill>
+                          <a:latin typeface="Menlo-Regular"/>
+                          <a:ea typeface="+mn-ea"/>
+                          <a:cs typeface="+mn-cs"/>
+                        </a:rPr>
+                        <a:t>NSString</a:t>
+                      </a:r>
+                      <a:endParaRPr lang="en-US" sz="1600" kern="1200" dirty="0">
+                        <a:solidFill>
+                          <a:srgbClr val="4D009E"/>
+                        </a:solidFill>
+                        <a:latin typeface="Menlo-Regular"/>
+                        <a:ea typeface="+mn-ea"/>
+                        <a:cs typeface="+mn-cs"/>
+                      </a:endParaRPr>
+                    </a:p>
+                    <a:p>
+                      <a:pPr algn="ctr"/>
+                      <a:r>
+                        <a:rPr lang="en-US" sz="1600" kern="1200" dirty="0" smtClean="0">
+                          <a:solidFill>
+                            <a:srgbClr val="4D009E"/>
+                          </a:solidFill>
+                          <a:latin typeface="Menlo-Regular"/>
+                          <a:ea typeface="+mn-ea"/>
+                          <a:cs typeface="+mn-cs"/>
+                        </a:rPr>
+                        <a:t>NSMutableString</a:t>
+                      </a:r>
+                      <a:endParaRPr lang="en-US" sz="1600" kern="1200" dirty="0">
+                        <a:solidFill>
+                          <a:srgbClr val="4D009E"/>
+                        </a:solidFill>
+                        <a:latin typeface="Menlo-Regular"/>
+                        <a:ea typeface="+mn-ea"/>
+                        <a:cs typeface="+mn-cs"/>
+                      </a:endParaRPr>
+                    </a:p>
+                  </a:txBody>
+                  <a:tcPr marT="45714" marB="45714">
+                    <a:lnL w="12700" cap="flat" cmpd="sng" algn="ctr">
+                      <a:solidFill>
+                        <a:scrgbClr r="0" g="0" b="0"/>
+                      </a:solidFill>
+                      <a:prstDash val="solid"/>
+                      <a:round/>
+                      <a:headEnd type="none" w="med" len="med"/>
+                      <a:tailEnd type="none" w="med" len="med"/>
+                    </a:lnL>
+                    <a:lnR w="12700" cap="flat" cmpd="sng" algn="ctr">
+                      <a:solidFill>
+                        <a:scrgbClr r="0" g="0" b="0"/>
+                      </a:solidFill>
+                      <a:prstDash val="solid"/>
+                      <a:round/>
+                      <a:headEnd type="none" w="med" len="med"/>
+                      <a:tailEnd type="none" w="med" len="med"/>
+                    </a:lnR>
+                    <a:lnT w="12700" cap="flat" cmpd="sng" algn="ctr">
+                      <a:solidFill>
+                        <a:scrgbClr r="0" g="0" b="0"/>
+                      </a:solidFill>
+                      <a:prstDash val="solid"/>
+                      <a:round/>
+                      <a:headEnd type="none" w="med" len="med"/>
+                      <a:tailEnd type="none" w="med" len="med"/>
+                    </a:lnT>
+                    <a:lnB w="12700" cap="flat" cmpd="sng" algn="ctr">
+                      <a:solidFill>
+                        <a:scrgbClr r="0" g="0" b="0"/>
+                      </a:solidFill>
+                      <a:prstDash val="solid"/>
+                      <a:round/>
+                      <a:headEnd type="none" w="med" len="med"/>
+                      <a:tailEnd type="none" w="med" len="med"/>
+                    </a:lnB>
+                  </a:tcPr>
+                </a:tc>
+                <a:tc>
+                  <a:txBody>
+                    <a:bodyPr/>
+                    <a:lstStyle/>
+                    <a:p>
+                      <a:pPr algn="ctr"/>
+                      <a:r>
+                        <a:rPr lang="en-US" altLang="zh-CN" sz="1800" dirty="0" smtClean="0"/>
+                        <a:t>copy</a:t>
+                      </a:r>
+                      <a:endParaRPr lang="en-US" sz="1800" dirty="0"/>
+                    </a:p>
+                  </a:txBody>
+                  <a:tcPr marT="45714" marB="45714">
+                    <a:lnL w="12700" cap="flat" cmpd="sng" algn="ctr">
+                      <a:solidFill>
+                        <a:scrgbClr r="0" g="0" b="0"/>
+                      </a:solidFill>
+                      <a:prstDash val="solid"/>
+                      <a:round/>
+                      <a:headEnd type="none" w="med" len="med"/>
+                      <a:tailEnd type="none" w="med" len="med"/>
+                    </a:lnL>
+                    <a:lnR w="12700" cap="flat" cmpd="sng" algn="ctr">
+                      <a:solidFill>
+                        <a:scrgbClr r="0" g="0" b="0"/>
+                      </a:solidFill>
+                      <a:prstDash val="solid"/>
+                      <a:round/>
+                      <a:headEnd type="none" w="med" len="med"/>
+                      <a:tailEnd type="none" w="med" len="med"/>
+                    </a:lnR>
+                    <a:lnT w="12700" cap="flat" cmpd="sng" algn="ctr">
+                      <a:solidFill>
+                        <a:scrgbClr r="0" g="0" b="0"/>
+                      </a:solidFill>
+                      <a:prstDash val="solid"/>
+                      <a:round/>
+                      <a:headEnd type="none" w="med" len="med"/>
+                      <a:tailEnd type="none" w="med" len="med"/>
+                    </a:lnT>
+                    <a:lnB w="12700" cap="flat" cmpd="sng" algn="ctr">
+                      <a:solidFill>
+                        <a:scrgbClr r="0" g="0" b="0"/>
+                      </a:solidFill>
+                      <a:prstDash val="solid"/>
+                      <a:round/>
+                      <a:headEnd type="none" w="med" len="med"/>
+                      <a:tailEnd type="none" w="med" len="med"/>
+                    </a:lnB>
+                  </a:tcPr>
+                </a:tc>
+                <a:tc>
+                  <a:txBody>
+                    <a:bodyPr/>
+                    <a:lstStyle/>
+                    <a:p>
+                      <a:pPr algn="ctr"/>
+                      <a:r>
+                        <a:rPr lang="en-US" altLang="zh-CN" sz="1800" kern="1200" dirty="0" smtClean="0">
+                          <a:solidFill>
+                            <a:srgbClr val="4D009E"/>
+                          </a:solidFill>
+                          <a:latin typeface="Menlo-Regular"/>
+                          <a:ea typeface="+mn-ea"/>
+                          <a:cs typeface="+mn-cs"/>
+                        </a:rPr>
+                        <a:t>NSString</a:t>
+                      </a:r>
+                      <a:endParaRPr lang="en-US" sz="1800" dirty="0"/>
+                    </a:p>
+                  </a:txBody>
+                  <a:tcPr marT="45714" marB="45714">
+                    <a:lnL w="12700" cap="flat" cmpd="sng" algn="ctr">
+                      <a:solidFill>
+                        <a:scrgbClr r="0" g="0" b="0"/>
+                      </a:solidFill>
+                      <a:prstDash val="solid"/>
+                      <a:round/>
+                      <a:headEnd type="none" w="med" len="med"/>
+                      <a:tailEnd type="none" w="med" len="med"/>
+                    </a:lnL>
+                    <a:lnR w="12700" cap="flat" cmpd="sng" algn="ctr">
+                      <a:solidFill>
+                        <a:scrgbClr r="0" g="0" b="0"/>
+                      </a:solidFill>
+                      <a:prstDash val="solid"/>
+                      <a:round/>
+                      <a:headEnd type="none" w="med" len="med"/>
+                      <a:tailEnd type="none" w="med" len="med"/>
+                    </a:lnR>
+                    <a:lnT w="12700" cap="flat" cmpd="sng" algn="ctr">
+                      <a:solidFill>
+                        <a:scrgbClr r="0" g="0" b="0"/>
+                      </a:solidFill>
+                      <a:prstDash val="solid"/>
+                      <a:round/>
+                      <a:headEnd type="none" w="med" len="med"/>
+                      <a:tailEnd type="none" w="med" len="med"/>
+                    </a:lnT>
+                    <a:lnB w="12700" cap="flat" cmpd="sng" algn="ctr">
+                      <a:solidFill>
+                        <a:scrgbClr r="0" g="0" b="0"/>
+                      </a:solidFill>
+                      <a:prstDash val="solid"/>
+                      <a:round/>
+                      <a:headEnd type="none" w="med" len="med"/>
+                      <a:tailEnd type="none" w="med" len="med"/>
+                    </a:lnB>
+                  </a:tcPr>
+                </a:tc>
+              </a:tr>
+              <a:tr h="370795">
+                <a:tc vMerge="1">
+                  <a:txBody>
+                    <a:bodyPr/>
+                    <a:lstStyle/>
+                    <a:p>
+                      <a:endParaRPr lang="en-US" dirty="0"/>
+                    </a:p>
+                  </a:txBody>
+                  <a:tcPr/>
+                </a:tc>
+                <a:tc>
+                  <a:txBody>
+                    <a:bodyPr/>
+                    <a:lstStyle/>
+                    <a:p>
+                      <a:pPr algn="ctr"/>
+                      <a:r>
+                        <a:rPr lang="en-US" altLang="zh-CN" sz="1800" dirty="0" smtClean="0"/>
+                        <a:t>mutableCopy</a:t>
+                      </a:r>
+                      <a:endParaRPr lang="en-US" sz="1800" dirty="0"/>
+                    </a:p>
+                  </a:txBody>
+                  <a:tcPr marT="45714" marB="45714">
+                    <a:lnL w="12700" cap="flat" cmpd="sng" algn="ctr">
+                      <a:solidFill>
+                        <a:scrgbClr r="0" g="0" b="0"/>
+                      </a:solidFill>
+                      <a:prstDash val="solid"/>
+                      <a:round/>
+                      <a:headEnd type="none" w="med" len="med"/>
+                      <a:tailEnd type="none" w="med" len="med"/>
+                    </a:lnL>
+                    <a:lnR w="12700" cap="flat" cmpd="sng" algn="ctr">
+                      <a:solidFill>
+                        <a:scrgbClr r="0" g="0" b="0"/>
+                      </a:solidFill>
+                      <a:prstDash val="solid"/>
+                      <a:round/>
+                      <a:headEnd type="none" w="med" len="med"/>
+                      <a:tailEnd type="none" w="med" len="med"/>
+                    </a:lnR>
+                    <a:lnT w="12700" cap="flat" cmpd="sng" algn="ctr">
+                      <a:solidFill>
+                        <a:scrgbClr r="0" g="0" b="0"/>
+                      </a:solidFill>
+                      <a:prstDash val="solid"/>
+                      <a:round/>
+                      <a:headEnd type="none" w="med" len="med"/>
+                      <a:tailEnd type="none" w="med" len="med"/>
+                    </a:lnT>
+                    <a:lnB w="12700" cap="flat" cmpd="sng" algn="ctr">
+                      <a:solidFill>
+                        <a:scrgbClr r="0" g="0" b="0"/>
+                      </a:solidFill>
+                      <a:prstDash val="solid"/>
+                      <a:round/>
+                      <a:headEnd type="none" w="med" len="med"/>
+                      <a:tailEnd type="none" w="med" len="med"/>
+                    </a:lnB>
+                  </a:tcPr>
+                </a:tc>
+                <a:tc>
+                  <a:txBody>
+                    <a:bodyPr/>
+                    <a:lstStyle/>
+                    <a:p>
+                      <a:pPr algn="ctr"/>
+                      <a:r>
+                        <a:rPr lang="en-US" altLang="zh-CN" sz="1800" kern="1200" dirty="0" smtClean="0">
+                          <a:solidFill>
+                            <a:srgbClr val="4D009E"/>
+                          </a:solidFill>
+                          <a:latin typeface="Menlo-Regular"/>
+                          <a:ea typeface="+mn-ea"/>
+                          <a:cs typeface="+mn-cs"/>
+                        </a:rPr>
+                        <a:t>NSMutableString</a:t>
+                      </a:r>
+                      <a:endParaRPr lang="en-US" sz="1800" dirty="0"/>
+                    </a:p>
+                  </a:txBody>
+                  <a:tcPr marT="45714" marB="45714">
+                    <a:lnL w="12700" cap="flat" cmpd="sng" algn="ctr">
+                      <a:solidFill>
+                        <a:scrgbClr r="0" g="0" b="0"/>
+                      </a:solidFill>
+                      <a:prstDash val="solid"/>
+                      <a:round/>
+                      <a:headEnd type="none" w="med" len="med"/>
+                      <a:tailEnd type="none" w="med" len="med"/>
+                    </a:lnL>
+                    <a:lnR w="12700" cap="flat" cmpd="sng" algn="ctr">
+                      <a:solidFill>
+                        <a:scrgbClr r="0" g="0" b="0"/>
+                      </a:solidFill>
+                      <a:prstDash val="solid"/>
+                      <a:round/>
+                      <a:headEnd type="none" w="med" len="med"/>
+                      <a:tailEnd type="none" w="med" len="med"/>
+                    </a:lnR>
+                    <a:lnT w="12700" cap="flat" cmpd="sng" algn="ctr">
+                      <a:solidFill>
+                        <a:scrgbClr r="0" g="0" b="0"/>
+                      </a:solidFill>
+                      <a:prstDash val="solid"/>
+                      <a:round/>
+                      <a:headEnd type="none" w="med" len="med"/>
+                      <a:tailEnd type="none" w="med" len="med"/>
+                    </a:lnT>
+                    <a:lnB w="12700" cap="flat" cmpd="sng" algn="ctr">
+                      <a:solidFill>
+                        <a:scrgbClr r="0" g="0" b="0"/>
+                      </a:solidFill>
+                      <a:prstDash val="solid"/>
+                      <a:round/>
+                      <a:headEnd type="none" w="med" len="med"/>
+                      <a:tailEnd type="none" w="med" len="med"/>
+                    </a:lnB>
+                  </a:tcPr>
+                </a:tc>
+              </a:tr>
+            </a:tbl>
+          </a:graphicData>
+        </a:graphic>
+      </p:graphicFrame>
+    </p:spTree>
+    <p:extLst>
+      <p:ext uri="{BB962C8B-B14F-4D97-AF65-F5344CB8AC3E}">
+        <p14:creationId xmlns:p14="http://schemas.microsoft.com/office/powerpoint/2010/main" val="2785524216"/>
       </p:ext>
     </p:extLst>
   </p:cSld>
